--- a/Documentatie/LO2/Student Housing BV (1).pptx
+++ b/Documentatie/LO2/Student Housing BV (1).pptx
@@ -9,12 +9,13 @@
     <p:sldId id="257" r:id="rId3"/>
     <p:sldId id="258" r:id="rId4"/>
     <p:sldId id="259" r:id="rId5"/>
-    <p:sldId id="263" r:id="rId6"/>
-    <p:sldId id="264" r:id="rId7"/>
-    <p:sldId id="265" r:id="rId8"/>
-    <p:sldId id="260" r:id="rId9"/>
-    <p:sldId id="262" r:id="rId10"/>
-    <p:sldId id="261" r:id="rId11"/>
+    <p:sldId id="267" r:id="rId6"/>
+    <p:sldId id="266" r:id="rId7"/>
+    <p:sldId id="260" r:id="rId8"/>
+    <p:sldId id="264" r:id="rId9"/>
+    <p:sldId id="265" r:id="rId10"/>
+    <p:sldId id="262" r:id="rId11"/>
+    <p:sldId id="261" r:id="rId12"/>
   </p:sldIdLst>
   <p:sldSz cx="12192000" cy="6858000"/>
   <p:notesSz cx="6858000" cy="9144000"/>
@@ -7146,6 +7147,98 @@
         <p:cNvPr id="1" name="">
           <a:extLst>
             <a:ext uri="{FF2B5EF4-FFF2-40B4-BE49-F238E27FC236}">
+              <a16:creationId xmlns:a16="http://schemas.microsoft.com/office/drawing/2014/main" id="{C4ED822E-7B3F-5F92-4E5D-65E36D3D65EB}"/>
+            </a:ext>
+          </a:extLst>
+        </p:cNvPr>
+        <p:cNvGrpSpPr/>
+        <p:nvPr/>
+      </p:nvGrpSpPr>
+      <p:grpSpPr>
+        <a:xfrm>
+          <a:off x="0" y="0"/>
+          <a:ext cx="0" cy="0"/>
+          <a:chOff x="0" y="0"/>
+          <a:chExt cx="0" cy="0"/>
+        </a:xfrm>
+      </p:grpSpPr>
+      <p:sp>
+        <p:nvSpPr>
+          <p:cNvPr id="2" name="Titel 1">
+            <a:extLst>
+              <a:ext uri="{FF2B5EF4-FFF2-40B4-BE49-F238E27FC236}">
+                <a16:creationId xmlns:a16="http://schemas.microsoft.com/office/drawing/2014/main" id="{5BF7AB01-95A0-4B3C-3860-0B8CE4C1B758}"/>
+              </a:ext>
+            </a:extLst>
+          </p:cNvPr>
+          <p:cNvSpPr>
+            <a:spLocks noGrp="1"/>
+          </p:cNvSpPr>
+          <p:nvPr>
+            <p:ph type="title"/>
+          </p:nvPr>
+        </p:nvSpPr>
+        <p:spPr/>
+        <p:txBody>
+          <a:bodyPr/>
+          <a:lstStyle/>
+          <a:p>
+            <a:r>
+              <a:rPr lang="nl-NL" dirty="0"/>
+              <a:t>geleerd.</a:t>
+            </a:r>
+          </a:p>
+        </p:txBody>
+      </p:sp>
+      <p:sp>
+        <p:nvSpPr>
+          <p:cNvPr id="3" name="Tijdelijke aanduiding voor inhoud 2">
+            <a:extLst>
+              <a:ext uri="{FF2B5EF4-FFF2-40B4-BE49-F238E27FC236}">
+                <a16:creationId xmlns:a16="http://schemas.microsoft.com/office/drawing/2014/main" id="{8DE7784E-361A-DF35-1D13-9D2B9E8E0AE5}"/>
+              </a:ext>
+            </a:extLst>
+          </p:cNvPr>
+          <p:cNvSpPr>
+            <a:spLocks noGrp="1"/>
+          </p:cNvSpPr>
+          <p:nvPr>
+            <p:ph idx="1"/>
+          </p:nvPr>
+        </p:nvSpPr>
+        <p:spPr/>
+        <p:txBody>
+          <a:bodyPr/>
+          <a:lstStyle/>
+          <a:p>
+            <a:pPr marL="0" indent="0">
+              <a:buNone/>
+            </a:pPr>
+            <a:endParaRPr lang="nl-NL" b="1" dirty="0"/>
+          </a:p>
+        </p:txBody>
+      </p:sp>
+    </p:spTree>
+    <p:extLst>
+      <p:ext uri="{BB962C8B-B14F-4D97-AF65-F5344CB8AC3E}">
+        <p14:creationId xmlns:p14="http://schemas.microsoft.com/office/powerpoint/2010/main" val="2146816375"/>
+      </p:ext>
+    </p:extLst>
+  </p:cSld>
+  <p:clrMapOvr>
+    <a:masterClrMapping/>
+  </p:clrMapOvr>
+</p:sld>
+</file>
+
+<file path=ppt/slides/slide11.xml><?xml version="1.0" encoding="utf-8"?>
+<p:sld xmlns:a="http://schemas.openxmlformats.org/drawingml/2006/main" xmlns:r="http://schemas.openxmlformats.org/officeDocument/2006/relationships" xmlns:p="http://schemas.openxmlformats.org/presentationml/2006/main">
+  <p:cSld>
+    <p:spTree>
+      <p:nvGrpSpPr>
+        <p:cNvPr id="1" name="">
+          <a:extLst>
+            <a:ext uri="{FF2B5EF4-FFF2-40B4-BE49-F238E27FC236}">
               <a16:creationId xmlns:a16="http://schemas.microsoft.com/office/drawing/2014/main" id="{19E62FED-0146-E1C6-B4C2-797C17912C12}"/>
             </a:ext>
           </a:extLst>
@@ -7803,34 +7896,116 @@
           </a:p>
         </p:txBody>
       </p:sp>
-      <p:sp>
-        <p:nvSpPr>
-          <p:cNvPr id="3" name="Tijdelijke aanduiding voor inhoud 2">
+      <p:pic>
+        <p:nvPicPr>
+          <p:cNvPr id="5" name="Afbeelding 4" descr="Afbeelding met tekst, schermopname, Lettertype, ontwerp&#10;&#10;Door AI gegenereerde inhoud is mogelijk onjuist.">
             <a:extLst>
               <a:ext uri="{FF2B5EF4-FFF2-40B4-BE49-F238E27FC236}">
-                <a16:creationId xmlns:a16="http://schemas.microsoft.com/office/drawing/2014/main" id="{B6CDE3E0-0D46-E34A-4CD6-3310C5BA9A11}"/>
+                <a16:creationId xmlns:a16="http://schemas.microsoft.com/office/drawing/2014/main" id="{3B0A4439-F6FE-8BFC-4F99-B6C16E032D36}"/>
               </a:ext>
             </a:extLst>
           </p:cNvPr>
-          <p:cNvSpPr>
-            <a:spLocks noGrp="1"/>
-          </p:cNvSpPr>
-          <p:nvPr>
-            <p:ph idx="1"/>
-          </p:nvPr>
-        </p:nvSpPr>
-        <p:spPr/>
-        <p:txBody>
-          <a:bodyPr/>
-          <a:lstStyle/>
-          <a:p>
-            <a:pPr marL="0" indent="0">
-              <a:buNone/>
-            </a:pPr>
-            <a:endParaRPr lang="nl-NL" b="1" dirty="0"/>
-          </a:p>
-        </p:txBody>
-      </p:sp>
+          <p:cNvPicPr>
+            <a:picLocks noChangeAspect="1"/>
+          </p:cNvPicPr>
+          <p:nvPr/>
+        </p:nvPicPr>
+        <p:blipFill>
+          <a:blip r:embed="rId2">
+            <a:extLst>
+              <a:ext uri="{28A0092B-C50C-407E-A947-70E740481C1C}">
+                <a14:useLocalDpi xmlns:a14="http://schemas.microsoft.com/office/drawing/2010/main" val="0"/>
+              </a:ext>
+            </a:extLst>
+          </a:blip>
+          <a:stretch>
+            <a:fillRect/>
+          </a:stretch>
+        </p:blipFill>
+        <p:spPr>
+          <a:xfrm>
+            <a:off x="1251678" y="1776348"/>
+            <a:ext cx="8004173" cy="4230459"/>
+          </a:xfrm>
+          <a:prstGeom prst="rect">
+            <a:avLst/>
+          </a:prstGeom>
+        </p:spPr>
+      </p:pic>
+      <p:pic>
+        <p:nvPicPr>
+          <p:cNvPr id="7" name="Afbeelding 6" descr="Afbeelding met tekst, schermopname, Lettertype, ontwerp&#10;&#10;Door AI gegenereerde inhoud is mogelijk onjuist.">
+            <a:extLst>
+              <a:ext uri="{FF2B5EF4-FFF2-40B4-BE49-F238E27FC236}">
+                <a16:creationId xmlns:a16="http://schemas.microsoft.com/office/drawing/2014/main" id="{6204C63C-F1BA-841F-C2BC-FE67BB957A96}"/>
+              </a:ext>
+            </a:extLst>
+          </p:cNvPr>
+          <p:cNvPicPr>
+            <a:picLocks noChangeAspect="1"/>
+          </p:cNvPicPr>
+          <p:nvPr/>
+        </p:nvPicPr>
+        <p:blipFill>
+          <a:blip r:embed="rId2">
+            <a:extLst>
+              <a:ext uri="{28A0092B-C50C-407E-A947-70E740481C1C}">
+                <a14:useLocalDpi xmlns:a14="http://schemas.microsoft.com/office/drawing/2010/main" val="0"/>
+              </a:ext>
+            </a:extLst>
+          </a:blip>
+          <a:srcRect l="30853" r="30758" b="27675"/>
+          <a:stretch>
+            <a:fillRect/>
+          </a:stretch>
+        </p:blipFill>
+        <p:spPr>
+          <a:xfrm>
+            <a:off x="8525436" y="3431778"/>
+            <a:ext cx="2904564" cy="2892285"/>
+          </a:xfrm>
+          <a:prstGeom prst="rect">
+            <a:avLst/>
+          </a:prstGeom>
+        </p:spPr>
+      </p:pic>
+      <p:pic>
+        <p:nvPicPr>
+          <p:cNvPr id="9" name="Afbeelding 8" descr="Afbeelding met tekst, schermopname, ontwerp&#10;&#10;Door AI gegenereerde inhoud is mogelijk onjuist.">
+            <a:extLst>
+              <a:ext uri="{FF2B5EF4-FFF2-40B4-BE49-F238E27FC236}">
+                <a16:creationId xmlns:a16="http://schemas.microsoft.com/office/drawing/2014/main" id="{B65C8D53-CE49-6913-1D50-3BA877B6F2AE}"/>
+              </a:ext>
+            </a:extLst>
+          </p:cNvPr>
+          <p:cNvPicPr>
+            <a:picLocks noChangeAspect="1"/>
+          </p:cNvPicPr>
+          <p:nvPr/>
+        </p:nvPicPr>
+        <p:blipFill>
+          <a:blip r:embed="rId3">
+            <a:extLst>
+              <a:ext uri="{28A0092B-C50C-407E-A947-70E740481C1C}">
+                <a14:useLocalDpi xmlns:a14="http://schemas.microsoft.com/office/drawing/2010/main" val="0"/>
+              </a:ext>
+            </a:extLst>
+          </a:blip>
+          <a:srcRect l="30471" t="1039" r="31141" b="34972"/>
+          <a:stretch>
+            <a:fillRect/>
+          </a:stretch>
+        </p:blipFill>
+        <p:spPr>
+          <a:xfrm>
+            <a:off x="8525436" y="596954"/>
+            <a:ext cx="2904564" cy="2555126"/>
+          </a:xfrm>
+          <a:prstGeom prst="rect">
+            <a:avLst/>
+          </a:prstGeom>
+        </p:spPr>
+      </p:pic>
     </p:spTree>
     <p:extLst>
       <p:ext uri="{BB962C8B-B14F-4D97-AF65-F5344CB8AC3E}">
@@ -7847,20 +8022,122 @@
 <file path=ppt/slides/slide5.xml><?xml version="1.0" encoding="utf-8"?>
 <p:sld xmlns:a="http://schemas.openxmlformats.org/drawingml/2006/main" xmlns:r="http://schemas.openxmlformats.org/officeDocument/2006/relationships" xmlns:p="http://schemas.openxmlformats.org/presentationml/2006/main">
   <p:cSld>
-    <p:bg>
-      <p:bgPr>
-        <a:solidFill>
-          <a:schemeClr val="bg2"/>
-        </a:solidFill>
-        <a:effectLst/>
-      </p:bgPr>
-    </p:bg>
     <p:spTree>
       <p:nvGrpSpPr>
         <p:cNvPr id="1" name="">
           <a:extLst>
             <a:ext uri="{FF2B5EF4-FFF2-40B4-BE49-F238E27FC236}">
-              <a16:creationId xmlns:a16="http://schemas.microsoft.com/office/drawing/2014/main" id="{DA99D13B-C71A-B2A3-034F-2EFED352C0CD}"/>
+              <a16:creationId xmlns:a16="http://schemas.microsoft.com/office/drawing/2014/main" id="{DC85F173-7019-D414-8671-E6034A890FA1}"/>
+            </a:ext>
+          </a:extLst>
+        </p:cNvPr>
+        <p:cNvGrpSpPr/>
+        <p:nvPr/>
+      </p:nvGrpSpPr>
+      <p:grpSpPr>
+        <a:xfrm>
+          <a:off x="0" y="0"/>
+          <a:ext cx="0" cy="0"/>
+          <a:chOff x="0" y="0"/>
+          <a:chExt cx="0" cy="0"/>
+        </a:xfrm>
+      </p:grpSpPr>
+      <p:pic>
+        <p:nvPicPr>
+          <p:cNvPr id="11" name="Afbeelding 10" descr="Afbeelding met tekst, schermopname, Lettertype, ontwerp&#10;&#10;Door AI gegenereerde inhoud is mogelijk onjuist.">
+            <a:extLst>
+              <a:ext uri="{FF2B5EF4-FFF2-40B4-BE49-F238E27FC236}">
+                <a16:creationId xmlns:a16="http://schemas.microsoft.com/office/drawing/2014/main" id="{72679F71-8D57-CC34-8E83-2BD766C32A2A}"/>
+              </a:ext>
+            </a:extLst>
+          </p:cNvPr>
+          <p:cNvPicPr>
+            <a:picLocks noChangeAspect="1"/>
+          </p:cNvPicPr>
+          <p:nvPr/>
+        </p:nvPicPr>
+        <p:blipFill>
+          <a:blip r:embed="rId2">
+            <a:extLst>
+              <a:ext uri="{28A0092B-C50C-407E-A947-70E740481C1C}">
+                <a14:useLocalDpi xmlns:a14="http://schemas.microsoft.com/office/drawing/2010/main" val="0"/>
+              </a:ext>
+            </a:extLst>
+          </a:blip>
+          <a:srcRect l="29567" r="29960" b="30649"/>
+          <a:stretch>
+            <a:fillRect/>
+          </a:stretch>
+        </p:blipFill>
+        <p:spPr>
+          <a:xfrm>
+            <a:off x="6411558" y="1280549"/>
+            <a:ext cx="4747177" cy="4296901"/>
+          </a:xfrm>
+          <a:prstGeom prst="rect">
+            <a:avLst/>
+          </a:prstGeom>
+        </p:spPr>
+      </p:pic>
+      <p:pic>
+        <p:nvPicPr>
+          <p:cNvPr id="13" name="Afbeelding 12" descr="Afbeelding met tekst, schermopname, Lettertype, ontwerp&#10;&#10;Door AI gegenereerde inhoud is mogelijk onjuist.">
+            <a:extLst>
+              <a:ext uri="{FF2B5EF4-FFF2-40B4-BE49-F238E27FC236}">
+                <a16:creationId xmlns:a16="http://schemas.microsoft.com/office/drawing/2014/main" id="{7E717C9D-6AA7-4445-B5B3-08596A69BEC6}"/>
+              </a:ext>
+            </a:extLst>
+          </p:cNvPr>
+          <p:cNvPicPr>
+            <a:picLocks noChangeAspect="1"/>
+          </p:cNvPicPr>
+          <p:nvPr/>
+        </p:nvPicPr>
+        <p:blipFill>
+          <a:blip r:embed="rId3">
+            <a:extLst>
+              <a:ext uri="{28A0092B-C50C-407E-A947-70E740481C1C}">
+                <a14:useLocalDpi xmlns:a14="http://schemas.microsoft.com/office/drawing/2010/main" val="0"/>
+              </a:ext>
+            </a:extLst>
+          </a:blip>
+          <a:srcRect l="29792" r="29702" b="30825"/>
+          <a:stretch>
+            <a:fillRect/>
+          </a:stretch>
+        </p:blipFill>
+        <p:spPr>
+          <a:xfrm>
+            <a:off x="1437938" y="1280549"/>
+            <a:ext cx="4747177" cy="4296901"/>
+          </a:xfrm>
+          <a:prstGeom prst="rect">
+            <a:avLst/>
+          </a:prstGeom>
+        </p:spPr>
+      </p:pic>
+    </p:spTree>
+    <p:extLst>
+      <p:ext uri="{BB962C8B-B14F-4D97-AF65-F5344CB8AC3E}">
+        <p14:creationId xmlns:p14="http://schemas.microsoft.com/office/powerpoint/2010/main" val="3159411772"/>
+      </p:ext>
+    </p:extLst>
+  </p:cSld>
+  <p:clrMapOvr>
+    <a:masterClrMapping/>
+  </p:clrMapOvr>
+</p:sld>
+</file>
+
+<file path=ppt/slides/slide6.xml><?xml version="1.0" encoding="utf-8"?>
+<p:sld xmlns:a="http://schemas.openxmlformats.org/drawingml/2006/main" xmlns:r="http://schemas.openxmlformats.org/officeDocument/2006/relationships" xmlns:p="http://schemas.openxmlformats.org/presentationml/2006/main">
+  <p:cSld>
+    <p:spTree>
+      <p:nvGrpSpPr>
+        <p:cNvPr id="1" name="">
+          <a:extLst>
+            <a:ext uri="{FF2B5EF4-FFF2-40B4-BE49-F238E27FC236}">
+              <a16:creationId xmlns:a16="http://schemas.microsoft.com/office/drawing/2014/main" id="{791BCAA9-85C8-9A39-CBB1-597CEE09CF8E}"/>
             </a:ext>
           </a:extLst>
         </p:cNvPr>
@@ -7877,2782 +8154,43 @@
       </p:grpSpPr>
       <p:sp>
         <p:nvSpPr>
-          <p:cNvPr id="11" name="Freeform 6">
+          <p:cNvPr id="6" name="Titel 1">
             <a:extLst>
               <a:ext uri="{FF2B5EF4-FFF2-40B4-BE49-F238E27FC236}">
-                <a16:creationId xmlns:a16="http://schemas.microsoft.com/office/drawing/2014/main" id="{DD0AEE21-CF4B-4395-A100-EFB0EB995182}"/>
-              </a:ext>
-              <a:ext uri="{C183D7F6-B498-43B3-948B-1728B52AA6E4}">
-                <adec:decorative xmlns:adec="http://schemas.microsoft.com/office/drawing/2017/decorative" val="1"/>
+                <a16:creationId xmlns:a16="http://schemas.microsoft.com/office/drawing/2014/main" id="{84661CAF-C24A-D001-AD8E-47E86FC82C46}"/>
               </a:ext>
             </a:extLst>
           </p:cNvPr>
           <p:cNvSpPr>
-            <a:spLocks noGrp="1" noRot="1" noChangeAspect="1" noMove="1" noResize="1" noEditPoints="1" noAdjustHandles="1" noChangeArrowheads="1" noChangeShapeType="1" noTextEdit="1"/>
+            <a:spLocks noGrp="1"/>
           </p:cNvSpPr>
           <p:nvPr>
-            <p:extLst>
-              <p:ext uri="{386F3935-93C4-4BCD-93E2-E3B085C9AB24}">
-                <p16:designElem xmlns:p16="http://schemas.microsoft.com/office/powerpoint/2015/main" val="1"/>
-              </p:ext>
-            </p:extLst>
-          </p:nvPr>
-        </p:nvSpPr>
-        <p:spPr bwMode="auto">
-          <a:xfrm>
-            <a:off x="0" y="0"/>
-            <a:ext cx="885825" cy="6858000"/>
-          </a:xfrm>
-          <a:custGeom>
-            <a:avLst/>
-            <a:gdLst/>
-            <a:ahLst/>
-            <a:cxnLst/>
-            <a:rect l="0" t="0" r="r" b="b"/>
-            <a:pathLst>
-              <a:path w="558" h="4320">
-                <a:moveTo>
-                  <a:pt x="0" y="0"/>
-                </a:moveTo>
-                <a:lnTo>
-                  <a:pt x="447" y="0"/>
-                </a:lnTo>
-                <a:lnTo>
-                  <a:pt x="448" y="43"/>
-                </a:lnTo>
-                <a:lnTo>
-                  <a:pt x="453" y="81"/>
-                </a:lnTo>
-                <a:lnTo>
-                  <a:pt x="460" y="114"/>
-                </a:lnTo>
-                <a:lnTo>
-                  <a:pt x="469" y="143"/>
-                </a:lnTo>
-                <a:lnTo>
-                  <a:pt x="479" y="169"/>
-                </a:lnTo>
-                <a:lnTo>
-                  <a:pt x="491" y="192"/>
-                </a:lnTo>
-                <a:lnTo>
-                  <a:pt x="503" y="216"/>
-                </a:lnTo>
-                <a:lnTo>
-                  <a:pt x="515" y="240"/>
-                </a:lnTo>
-                <a:lnTo>
-                  <a:pt x="525" y="263"/>
-                </a:lnTo>
-                <a:lnTo>
-                  <a:pt x="535" y="289"/>
-                </a:lnTo>
-                <a:lnTo>
-                  <a:pt x="545" y="318"/>
-                </a:lnTo>
-                <a:lnTo>
-                  <a:pt x="552" y="351"/>
-                </a:lnTo>
-                <a:lnTo>
-                  <a:pt x="556" y="389"/>
-                </a:lnTo>
-                <a:lnTo>
-                  <a:pt x="558" y="432"/>
-                </a:lnTo>
-                <a:lnTo>
-                  <a:pt x="556" y="475"/>
-                </a:lnTo>
-                <a:lnTo>
-                  <a:pt x="552" y="513"/>
-                </a:lnTo>
-                <a:lnTo>
-                  <a:pt x="545" y="546"/>
-                </a:lnTo>
-                <a:lnTo>
-                  <a:pt x="535" y="575"/>
-                </a:lnTo>
-                <a:lnTo>
-                  <a:pt x="525" y="601"/>
-                </a:lnTo>
-                <a:lnTo>
-                  <a:pt x="515" y="624"/>
-                </a:lnTo>
-                <a:lnTo>
-                  <a:pt x="503" y="648"/>
-                </a:lnTo>
-                <a:lnTo>
-                  <a:pt x="491" y="672"/>
-                </a:lnTo>
-                <a:lnTo>
-                  <a:pt x="479" y="695"/>
-                </a:lnTo>
-                <a:lnTo>
-                  <a:pt x="469" y="721"/>
-                </a:lnTo>
-                <a:lnTo>
-                  <a:pt x="460" y="750"/>
-                </a:lnTo>
-                <a:lnTo>
-                  <a:pt x="453" y="783"/>
-                </a:lnTo>
-                <a:lnTo>
-                  <a:pt x="448" y="821"/>
-                </a:lnTo>
-                <a:lnTo>
-                  <a:pt x="447" y="864"/>
-                </a:lnTo>
-                <a:lnTo>
-                  <a:pt x="448" y="907"/>
-                </a:lnTo>
-                <a:lnTo>
-                  <a:pt x="453" y="945"/>
-                </a:lnTo>
-                <a:lnTo>
-                  <a:pt x="460" y="978"/>
-                </a:lnTo>
-                <a:lnTo>
-                  <a:pt x="469" y="1007"/>
-                </a:lnTo>
-                <a:lnTo>
-                  <a:pt x="479" y="1033"/>
-                </a:lnTo>
-                <a:lnTo>
-                  <a:pt x="491" y="1056"/>
-                </a:lnTo>
-                <a:lnTo>
-                  <a:pt x="503" y="1080"/>
-                </a:lnTo>
-                <a:lnTo>
-                  <a:pt x="515" y="1104"/>
-                </a:lnTo>
-                <a:lnTo>
-                  <a:pt x="525" y="1127"/>
-                </a:lnTo>
-                <a:lnTo>
-                  <a:pt x="535" y="1153"/>
-                </a:lnTo>
-                <a:lnTo>
-                  <a:pt x="545" y="1182"/>
-                </a:lnTo>
-                <a:lnTo>
-                  <a:pt x="552" y="1215"/>
-                </a:lnTo>
-                <a:lnTo>
-                  <a:pt x="556" y="1253"/>
-                </a:lnTo>
-                <a:lnTo>
-                  <a:pt x="558" y="1296"/>
-                </a:lnTo>
-                <a:lnTo>
-                  <a:pt x="556" y="1339"/>
-                </a:lnTo>
-                <a:lnTo>
-                  <a:pt x="552" y="1377"/>
-                </a:lnTo>
-                <a:lnTo>
-                  <a:pt x="545" y="1410"/>
-                </a:lnTo>
-                <a:lnTo>
-                  <a:pt x="535" y="1439"/>
-                </a:lnTo>
-                <a:lnTo>
-                  <a:pt x="525" y="1465"/>
-                </a:lnTo>
-                <a:lnTo>
-                  <a:pt x="515" y="1488"/>
-                </a:lnTo>
-                <a:lnTo>
-                  <a:pt x="503" y="1512"/>
-                </a:lnTo>
-                <a:lnTo>
-                  <a:pt x="491" y="1536"/>
-                </a:lnTo>
-                <a:lnTo>
-                  <a:pt x="479" y="1559"/>
-                </a:lnTo>
-                <a:lnTo>
-                  <a:pt x="469" y="1585"/>
-                </a:lnTo>
-                <a:lnTo>
-                  <a:pt x="460" y="1614"/>
-                </a:lnTo>
-                <a:lnTo>
-                  <a:pt x="453" y="1647"/>
-                </a:lnTo>
-                <a:lnTo>
-                  <a:pt x="448" y="1685"/>
-                </a:lnTo>
-                <a:lnTo>
-                  <a:pt x="447" y="1728"/>
-                </a:lnTo>
-                <a:lnTo>
-                  <a:pt x="448" y="1771"/>
-                </a:lnTo>
-                <a:lnTo>
-                  <a:pt x="453" y="1809"/>
-                </a:lnTo>
-                <a:lnTo>
-                  <a:pt x="460" y="1842"/>
-                </a:lnTo>
-                <a:lnTo>
-                  <a:pt x="469" y="1871"/>
-                </a:lnTo>
-                <a:lnTo>
-                  <a:pt x="479" y="1897"/>
-                </a:lnTo>
-                <a:lnTo>
-                  <a:pt x="491" y="1920"/>
-                </a:lnTo>
-                <a:lnTo>
-                  <a:pt x="503" y="1944"/>
-                </a:lnTo>
-                <a:lnTo>
-                  <a:pt x="515" y="1968"/>
-                </a:lnTo>
-                <a:lnTo>
-                  <a:pt x="525" y="1991"/>
-                </a:lnTo>
-                <a:lnTo>
-                  <a:pt x="535" y="2017"/>
-                </a:lnTo>
-                <a:lnTo>
-                  <a:pt x="545" y="2046"/>
-                </a:lnTo>
-                <a:lnTo>
-                  <a:pt x="552" y="2079"/>
-                </a:lnTo>
-                <a:lnTo>
-                  <a:pt x="556" y="2117"/>
-                </a:lnTo>
-                <a:lnTo>
-                  <a:pt x="558" y="2159"/>
-                </a:lnTo>
-                <a:lnTo>
-                  <a:pt x="556" y="2203"/>
-                </a:lnTo>
-                <a:lnTo>
-                  <a:pt x="552" y="2241"/>
-                </a:lnTo>
-                <a:lnTo>
-                  <a:pt x="545" y="2274"/>
-                </a:lnTo>
-                <a:lnTo>
-                  <a:pt x="535" y="2303"/>
-                </a:lnTo>
-                <a:lnTo>
-                  <a:pt x="525" y="2329"/>
-                </a:lnTo>
-                <a:lnTo>
-                  <a:pt x="515" y="2352"/>
-                </a:lnTo>
-                <a:lnTo>
-                  <a:pt x="503" y="2376"/>
-                </a:lnTo>
-                <a:lnTo>
-                  <a:pt x="491" y="2400"/>
-                </a:lnTo>
-                <a:lnTo>
-                  <a:pt x="479" y="2423"/>
-                </a:lnTo>
-                <a:lnTo>
-                  <a:pt x="469" y="2449"/>
-                </a:lnTo>
-                <a:lnTo>
-                  <a:pt x="460" y="2478"/>
-                </a:lnTo>
-                <a:lnTo>
-                  <a:pt x="453" y="2511"/>
-                </a:lnTo>
-                <a:lnTo>
-                  <a:pt x="448" y="2549"/>
-                </a:lnTo>
-                <a:lnTo>
-                  <a:pt x="447" y="2592"/>
-                </a:lnTo>
-                <a:lnTo>
-                  <a:pt x="448" y="2635"/>
-                </a:lnTo>
-                <a:lnTo>
-                  <a:pt x="453" y="2673"/>
-                </a:lnTo>
-                <a:lnTo>
-                  <a:pt x="460" y="2706"/>
-                </a:lnTo>
-                <a:lnTo>
-                  <a:pt x="469" y="2735"/>
-                </a:lnTo>
-                <a:lnTo>
-                  <a:pt x="479" y="2761"/>
-                </a:lnTo>
-                <a:lnTo>
-                  <a:pt x="491" y="2784"/>
-                </a:lnTo>
-                <a:lnTo>
-                  <a:pt x="515" y="2832"/>
-                </a:lnTo>
-                <a:lnTo>
-                  <a:pt x="525" y="2855"/>
-                </a:lnTo>
-                <a:lnTo>
-                  <a:pt x="535" y="2881"/>
-                </a:lnTo>
-                <a:lnTo>
-                  <a:pt x="545" y="2910"/>
-                </a:lnTo>
-                <a:lnTo>
-                  <a:pt x="552" y="2943"/>
-                </a:lnTo>
-                <a:lnTo>
-                  <a:pt x="556" y="2981"/>
-                </a:lnTo>
-                <a:lnTo>
-                  <a:pt x="558" y="3024"/>
-                </a:lnTo>
-                <a:lnTo>
-                  <a:pt x="556" y="3067"/>
-                </a:lnTo>
-                <a:lnTo>
-                  <a:pt x="552" y="3105"/>
-                </a:lnTo>
-                <a:lnTo>
-                  <a:pt x="545" y="3138"/>
-                </a:lnTo>
-                <a:lnTo>
-                  <a:pt x="535" y="3167"/>
-                </a:lnTo>
-                <a:lnTo>
-                  <a:pt x="525" y="3193"/>
-                </a:lnTo>
-                <a:lnTo>
-                  <a:pt x="515" y="3216"/>
-                </a:lnTo>
-                <a:lnTo>
-                  <a:pt x="503" y="3240"/>
-                </a:lnTo>
-                <a:lnTo>
-                  <a:pt x="491" y="3264"/>
-                </a:lnTo>
-                <a:lnTo>
-                  <a:pt x="479" y="3287"/>
-                </a:lnTo>
-                <a:lnTo>
-                  <a:pt x="469" y="3313"/>
-                </a:lnTo>
-                <a:lnTo>
-                  <a:pt x="460" y="3342"/>
-                </a:lnTo>
-                <a:lnTo>
-                  <a:pt x="453" y="3375"/>
-                </a:lnTo>
-                <a:lnTo>
-                  <a:pt x="448" y="3413"/>
-                </a:lnTo>
-                <a:lnTo>
-                  <a:pt x="447" y="3456"/>
-                </a:lnTo>
-                <a:lnTo>
-                  <a:pt x="448" y="3499"/>
-                </a:lnTo>
-                <a:lnTo>
-                  <a:pt x="453" y="3537"/>
-                </a:lnTo>
-                <a:lnTo>
-                  <a:pt x="460" y="3570"/>
-                </a:lnTo>
-                <a:lnTo>
-                  <a:pt x="469" y="3599"/>
-                </a:lnTo>
-                <a:lnTo>
-                  <a:pt x="479" y="3625"/>
-                </a:lnTo>
-                <a:lnTo>
-                  <a:pt x="491" y="3648"/>
-                </a:lnTo>
-                <a:lnTo>
-                  <a:pt x="503" y="3672"/>
-                </a:lnTo>
-                <a:lnTo>
-                  <a:pt x="515" y="3696"/>
-                </a:lnTo>
-                <a:lnTo>
-                  <a:pt x="525" y="3719"/>
-                </a:lnTo>
-                <a:lnTo>
-                  <a:pt x="535" y="3745"/>
-                </a:lnTo>
-                <a:lnTo>
-                  <a:pt x="545" y="3774"/>
-                </a:lnTo>
-                <a:lnTo>
-                  <a:pt x="552" y="3807"/>
-                </a:lnTo>
-                <a:lnTo>
-                  <a:pt x="556" y="3845"/>
-                </a:lnTo>
-                <a:lnTo>
-                  <a:pt x="558" y="3888"/>
-                </a:lnTo>
-                <a:lnTo>
-                  <a:pt x="556" y="3931"/>
-                </a:lnTo>
-                <a:lnTo>
-                  <a:pt x="552" y="3969"/>
-                </a:lnTo>
-                <a:lnTo>
-                  <a:pt x="545" y="4002"/>
-                </a:lnTo>
-                <a:lnTo>
-                  <a:pt x="535" y="4031"/>
-                </a:lnTo>
-                <a:lnTo>
-                  <a:pt x="525" y="4057"/>
-                </a:lnTo>
-                <a:lnTo>
-                  <a:pt x="515" y="4080"/>
-                </a:lnTo>
-                <a:lnTo>
-                  <a:pt x="503" y="4104"/>
-                </a:lnTo>
-                <a:lnTo>
-                  <a:pt x="491" y="4128"/>
-                </a:lnTo>
-                <a:lnTo>
-                  <a:pt x="479" y="4151"/>
-                </a:lnTo>
-                <a:lnTo>
-                  <a:pt x="469" y="4177"/>
-                </a:lnTo>
-                <a:lnTo>
-                  <a:pt x="460" y="4206"/>
-                </a:lnTo>
-                <a:lnTo>
-                  <a:pt x="453" y="4239"/>
-                </a:lnTo>
-                <a:lnTo>
-                  <a:pt x="448" y="4277"/>
-                </a:lnTo>
-                <a:lnTo>
-                  <a:pt x="447" y="4320"/>
-                </a:lnTo>
-                <a:lnTo>
-                  <a:pt x="0" y="4320"/>
-                </a:lnTo>
-                <a:lnTo>
-                  <a:pt x="0" y="0"/>
-                </a:lnTo>
-                <a:close/>
-              </a:path>
-            </a:pathLst>
-          </a:custGeom>
-          <a:solidFill>
-            <a:schemeClr val="tx2"/>
-          </a:solidFill>
-          <a:ln w="0">
-            <a:noFill/>
-            <a:prstDash val="solid"/>
-            <a:round/>
-            <a:headEnd/>
-            <a:tailEnd/>
-          </a:ln>
-        </p:spPr>
-        <p:txBody>
-          <a:bodyPr/>
-          <a:lstStyle/>
-          <a:p>
-            <a:endParaRPr lang="nl-NL"/>
-          </a:p>
-        </p:txBody>
-      </p:sp>
-      <p:sp>
-        <p:nvSpPr>
-          <p:cNvPr id="13" name="Rectangle 12">
-            <a:extLst>
-              <a:ext uri="{FF2B5EF4-FFF2-40B4-BE49-F238E27FC236}">
-                <a16:creationId xmlns:a16="http://schemas.microsoft.com/office/drawing/2014/main" id="{9F8DBD9A-1B56-4D4B-856B-89CC682C6B2B}"/>
-              </a:ext>
-              <a:ext uri="{C183D7F6-B498-43B3-948B-1728B52AA6E4}">
-                <adec:decorative xmlns:adec="http://schemas.microsoft.com/office/drawing/2017/decorative" val="1"/>
-              </a:ext>
-            </a:extLst>
-          </p:cNvPr>
-          <p:cNvSpPr>
-            <a:spLocks noGrp="1" noRot="1" noChangeAspect="1" noMove="1" noResize="1" noEditPoints="1" noAdjustHandles="1" noChangeArrowheads="1" noChangeShapeType="1" noTextEdit="1"/>
-          </p:cNvSpPr>
-          <p:nvPr>
-            <p:extLst>
-              <p:ext uri="{386F3935-93C4-4BCD-93E2-E3B085C9AB24}">
-                <p16:designElem xmlns:p16="http://schemas.microsoft.com/office/powerpoint/2015/main" val="1"/>
-              </p:ext>
-            </p:extLst>
+            <p:ph type="title"/>
           </p:nvPr>
         </p:nvSpPr>
         <p:spPr>
           <a:xfrm>
-            <a:off x="11908536" y="0"/>
-            <a:ext cx="283464" cy="6858000"/>
+            <a:off x="1251678" y="382384"/>
+            <a:ext cx="6555135" cy="5654621"/>
           </a:xfrm>
-          <a:prstGeom prst="rect">
-            <a:avLst/>
-          </a:prstGeom>
-          <a:solidFill>
-            <a:schemeClr val="accent1"/>
-          </a:solidFill>
-          <a:ln>
-            <a:noFill/>
-          </a:ln>
         </p:spPr>
-        <p:style>
-          <a:lnRef idx="2">
-            <a:schemeClr val="accent1">
-              <a:shade val="50000"/>
-            </a:schemeClr>
-          </a:lnRef>
-          <a:fillRef idx="1">
-            <a:schemeClr val="accent1"/>
-          </a:fillRef>
-          <a:effectRef idx="0">
-            <a:schemeClr val="accent1"/>
-          </a:effectRef>
-          <a:fontRef idx="minor">
-            <a:schemeClr val="lt1"/>
-          </a:fontRef>
-        </p:style>
         <p:txBody>
-          <a:bodyPr/>
+          <a:bodyPr>
+            <a:normAutofit/>
+          </a:bodyPr>
           <a:lstStyle/>
           <a:p>
-            <a:endParaRPr lang="nl-NL"/>
+            <a:r>
+              <a:rPr lang="nl-NL" sz="14000" dirty="0"/>
+              <a:t>Live demo.</a:t>
+            </a:r>
           </a:p>
         </p:txBody>
       </p:sp>
-      <p:sp>
-        <p:nvSpPr>
-          <p:cNvPr id="15" name="Rectangle 14">
-            <a:extLst>
-              <a:ext uri="{FF2B5EF4-FFF2-40B4-BE49-F238E27FC236}">
-                <a16:creationId xmlns:a16="http://schemas.microsoft.com/office/drawing/2014/main" id="{2A42EE89-46A6-4616-987D-6468BC70742C}"/>
-              </a:ext>
-              <a:ext uri="{C183D7F6-B498-43B3-948B-1728B52AA6E4}">
-                <adec:decorative xmlns:adec="http://schemas.microsoft.com/office/drawing/2017/decorative" val="1"/>
-              </a:ext>
-            </a:extLst>
-          </p:cNvPr>
-          <p:cNvSpPr>
-            <a:spLocks noGrp="1" noRot="1" noChangeAspect="1" noMove="1" noResize="1" noEditPoints="1" noAdjustHandles="1" noChangeArrowheads="1" noChangeShapeType="1" noTextEdit="1"/>
-          </p:cNvSpPr>
-          <p:nvPr>
-            <p:extLst>
-              <p:ext uri="{386F3935-93C4-4BCD-93E2-E3B085C9AB24}">
-                <p16:designElem xmlns:p16="http://schemas.microsoft.com/office/powerpoint/2015/main" val="1"/>
-              </p:ext>
-            </p:extLst>
-          </p:nvPr>
-        </p:nvSpPr>
-        <p:spPr>
-          <a:xfrm>
-            <a:off x="0" y="0"/>
-            <a:ext cx="12192000" cy="6858000"/>
-          </a:xfrm>
-          <a:prstGeom prst="rect">
-            <a:avLst/>
-          </a:prstGeom>
-          <a:solidFill>
-            <a:srgbClr val="FFFFFF"/>
-          </a:solidFill>
-          <a:ln>
-            <a:noFill/>
-          </a:ln>
-        </p:spPr>
-        <p:style>
-          <a:lnRef idx="2">
-            <a:schemeClr val="accent1">
-              <a:shade val="50000"/>
-            </a:schemeClr>
-          </a:lnRef>
-          <a:fillRef idx="1">
-            <a:schemeClr val="accent1"/>
-          </a:fillRef>
-          <a:effectRef idx="0">
-            <a:schemeClr val="accent1"/>
-          </a:effectRef>
-          <a:fontRef idx="minor">
-            <a:schemeClr val="lt1"/>
-          </a:fontRef>
-        </p:style>
-        <p:txBody>
-          <a:bodyPr rtlCol="0" anchor="ctr"/>
-          <a:lstStyle/>
-          <a:p>
-            <a:pPr algn="ctr"/>
-            <a:endParaRPr lang="en-US"/>
-          </a:p>
-        </p:txBody>
-      </p:sp>
-      <p:pic>
-        <p:nvPicPr>
-          <p:cNvPr id="6" name="Afbeelding 5" descr="Afbeelding met tekst, diagram, schermopname, ontwerp&#10;&#10;Door AI gegenereerde inhoud is mogelijk onjuist.">
-            <a:extLst>
-              <a:ext uri="{FF2B5EF4-FFF2-40B4-BE49-F238E27FC236}">
-                <a16:creationId xmlns:a16="http://schemas.microsoft.com/office/drawing/2014/main" id="{26A1A5F3-0D43-82EF-21E9-A013F6ADF1F0}"/>
-              </a:ext>
-            </a:extLst>
-          </p:cNvPr>
-          <p:cNvPicPr>
-            <a:picLocks noChangeAspect="1"/>
-          </p:cNvPicPr>
-          <p:nvPr/>
-        </p:nvPicPr>
-        <p:blipFill>
-          <a:blip r:embed="rId2"/>
-          <a:stretch>
-            <a:fillRect/>
-          </a:stretch>
-        </p:blipFill>
-        <p:spPr>
-          <a:xfrm>
-            <a:off x="545636" y="738554"/>
-            <a:ext cx="7104361" cy="3214725"/>
-          </a:xfrm>
-          <a:prstGeom prst="rect">
-            <a:avLst/>
-          </a:prstGeom>
-        </p:spPr>
-      </p:pic>
-      <p:sp>
-        <p:nvSpPr>
-          <p:cNvPr id="17" name="Freeform: Shape 16">
-            <a:extLst>
-              <a:ext uri="{FF2B5EF4-FFF2-40B4-BE49-F238E27FC236}">
-                <a16:creationId xmlns:a16="http://schemas.microsoft.com/office/drawing/2014/main" id="{45A29992-9794-4D64-AB37-EA803ED6CEEA}"/>
-              </a:ext>
-              <a:ext uri="{C183D7F6-B498-43B3-948B-1728B52AA6E4}">
-                <adec:decorative xmlns:adec="http://schemas.microsoft.com/office/drawing/2017/decorative" val="1"/>
-              </a:ext>
-            </a:extLst>
-          </p:cNvPr>
-          <p:cNvSpPr>
-            <a:spLocks noGrp="1" noRot="1" noChangeAspect="1" noMove="1" noResize="1" noEditPoints="1" noAdjustHandles="1" noChangeArrowheads="1" noChangeShapeType="1" noTextEdit="1"/>
-          </p:cNvSpPr>
-          <p:nvPr>
-            <p:extLst>
-              <p:ext uri="{386F3935-93C4-4BCD-93E2-E3B085C9AB24}">
-                <p16:designElem xmlns:p16="http://schemas.microsoft.com/office/powerpoint/2015/main" val="1"/>
-              </p:ext>
-            </p:extLst>
-          </p:nvPr>
-        </p:nvSpPr>
-        <p:spPr bwMode="auto">
-          <a:xfrm rot="16200000">
-            <a:off x="5653089" y="319086"/>
-            <a:ext cx="885825" cy="12192000"/>
-          </a:xfrm>
-          <a:custGeom>
-            <a:avLst/>
-            <a:gdLst>
-              <a:gd name="connsiteX0" fmla="*/ 885825 w 885825"/>
-              <a:gd name="connsiteY0" fmla="*/ 6098626 h 12192000"/>
-              <a:gd name="connsiteX1" fmla="*/ 882650 w 885825"/>
-              <a:gd name="connsiteY1" fmla="*/ 6166889 h 12192000"/>
-              <a:gd name="connsiteX2" fmla="*/ 876300 w 885825"/>
-              <a:gd name="connsiteY2" fmla="*/ 6227214 h 12192000"/>
-              <a:gd name="connsiteX3" fmla="*/ 865188 w 885825"/>
-              <a:gd name="connsiteY3" fmla="*/ 6279601 h 12192000"/>
-              <a:gd name="connsiteX4" fmla="*/ 849313 w 885825"/>
-              <a:gd name="connsiteY4" fmla="*/ 6325639 h 12192000"/>
-              <a:gd name="connsiteX5" fmla="*/ 833438 w 885825"/>
-              <a:gd name="connsiteY5" fmla="*/ 6366914 h 12192000"/>
-              <a:gd name="connsiteX6" fmla="*/ 817563 w 885825"/>
-              <a:gd name="connsiteY6" fmla="*/ 6403426 h 12192000"/>
-              <a:gd name="connsiteX7" fmla="*/ 798513 w 885825"/>
-              <a:gd name="connsiteY7" fmla="*/ 6441526 h 12192000"/>
-              <a:gd name="connsiteX8" fmla="*/ 779463 w 885825"/>
-              <a:gd name="connsiteY8" fmla="*/ 6479626 h 12192000"/>
-              <a:gd name="connsiteX9" fmla="*/ 760413 w 885825"/>
-              <a:gd name="connsiteY9" fmla="*/ 6516139 h 12192000"/>
-              <a:gd name="connsiteX10" fmla="*/ 744538 w 885825"/>
-              <a:gd name="connsiteY10" fmla="*/ 6557414 h 12192000"/>
-              <a:gd name="connsiteX11" fmla="*/ 730250 w 885825"/>
-              <a:gd name="connsiteY11" fmla="*/ 6603451 h 12192000"/>
-              <a:gd name="connsiteX12" fmla="*/ 719138 w 885825"/>
-              <a:gd name="connsiteY12" fmla="*/ 6655839 h 12192000"/>
-              <a:gd name="connsiteX13" fmla="*/ 711200 w 885825"/>
-              <a:gd name="connsiteY13" fmla="*/ 6716164 h 12192000"/>
-              <a:gd name="connsiteX14" fmla="*/ 709613 w 885825"/>
-              <a:gd name="connsiteY14" fmla="*/ 6784426 h 12192000"/>
-              <a:gd name="connsiteX15" fmla="*/ 711200 w 885825"/>
-              <a:gd name="connsiteY15" fmla="*/ 6852689 h 12192000"/>
-              <a:gd name="connsiteX16" fmla="*/ 719138 w 885825"/>
-              <a:gd name="connsiteY16" fmla="*/ 6913014 h 12192000"/>
-              <a:gd name="connsiteX17" fmla="*/ 730250 w 885825"/>
-              <a:gd name="connsiteY17" fmla="*/ 6965401 h 12192000"/>
-              <a:gd name="connsiteX18" fmla="*/ 744538 w 885825"/>
-              <a:gd name="connsiteY18" fmla="*/ 7011439 h 12192000"/>
-              <a:gd name="connsiteX19" fmla="*/ 760413 w 885825"/>
-              <a:gd name="connsiteY19" fmla="*/ 7052714 h 12192000"/>
-              <a:gd name="connsiteX20" fmla="*/ 779463 w 885825"/>
-              <a:gd name="connsiteY20" fmla="*/ 7089226 h 12192000"/>
-              <a:gd name="connsiteX21" fmla="*/ 798513 w 885825"/>
-              <a:gd name="connsiteY21" fmla="*/ 7127326 h 12192000"/>
-              <a:gd name="connsiteX22" fmla="*/ 817563 w 885825"/>
-              <a:gd name="connsiteY22" fmla="*/ 7165426 h 12192000"/>
-              <a:gd name="connsiteX23" fmla="*/ 833438 w 885825"/>
-              <a:gd name="connsiteY23" fmla="*/ 7201939 h 12192000"/>
-              <a:gd name="connsiteX24" fmla="*/ 849313 w 885825"/>
-              <a:gd name="connsiteY24" fmla="*/ 7243214 h 12192000"/>
-              <a:gd name="connsiteX25" fmla="*/ 865188 w 885825"/>
-              <a:gd name="connsiteY25" fmla="*/ 7289251 h 12192000"/>
-              <a:gd name="connsiteX26" fmla="*/ 876300 w 885825"/>
-              <a:gd name="connsiteY26" fmla="*/ 7341639 h 12192000"/>
-              <a:gd name="connsiteX27" fmla="*/ 882650 w 885825"/>
-              <a:gd name="connsiteY27" fmla="*/ 7401964 h 12192000"/>
-              <a:gd name="connsiteX28" fmla="*/ 885825 w 885825"/>
-              <a:gd name="connsiteY28" fmla="*/ 7470226 h 12192000"/>
-              <a:gd name="connsiteX29" fmla="*/ 882650 w 885825"/>
-              <a:gd name="connsiteY29" fmla="*/ 7538489 h 12192000"/>
-              <a:gd name="connsiteX30" fmla="*/ 876300 w 885825"/>
-              <a:gd name="connsiteY30" fmla="*/ 7598814 h 12192000"/>
-              <a:gd name="connsiteX31" fmla="*/ 865188 w 885825"/>
-              <a:gd name="connsiteY31" fmla="*/ 7651201 h 12192000"/>
-              <a:gd name="connsiteX32" fmla="*/ 849313 w 885825"/>
-              <a:gd name="connsiteY32" fmla="*/ 7697239 h 12192000"/>
-              <a:gd name="connsiteX33" fmla="*/ 833438 w 885825"/>
-              <a:gd name="connsiteY33" fmla="*/ 7738514 h 12192000"/>
-              <a:gd name="connsiteX34" fmla="*/ 817563 w 885825"/>
-              <a:gd name="connsiteY34" fmla="*/ 7775026 h 12192000"/>
-              <a:gd name="connsiteX35" fmla="*/ 798513 w 885825"/>
-              <a:gd name="connsiteY35" fmla="*/ 7813126 h 12192000"/>
-              <a:gd name="connsiteX36" fmla="*/ 779463 w 885825"/>
-              <a:gd name="connsiteY36" fmla="*/ 7851226 h 12192000"/>
-              <a:gd name="connsiteX37" fmla="*/ 760413 w 885825"/>
-              <a:gd name="connsiteY37" fmla="*/ 7887739 h 12192000"/>
-              <a:gd name="connsiteX38" fmla="*/ 744538 w 885825"/>
-              <a:gd name="connsiteY38" fmla="*/ 7929014 h 12192000"/>
-              <a:gd name="connsiteX39" fmla="*/ 730250 w 885825"/>
-              <a:gd name="connsiteY39" fmla="*/ 7975051 h 12192000"/>
-              <a:gd name="connsiteX40" fmla="*/ 719138 w 885825"/>
-              <a:gd name="connsiteY40" fmla="*/ 8027439 h 12192000"/>
-              <a:gd name="connsiteX41" fmla="*/ 711200 w 885825"/>
-              <a:gd name="connsiteY41" fmla="*/ 8087764 h 12192000"/>
-              <a:gd name="connsiteX42" fmla="*/ 709613 w 885825"/>
-              <a:gd name="connsiteY42" fmla="*/ 8156026 h 12192000"/>
-              <a:gd name="connsiteX43" fmla="*/ 711200 w 885825"/>
-              <a:gd name="connsiteY43" fmla="*/ 8224289 h 12192000"/>
-              <a:gd name="connsiteX44" fmla="*/ 719138 w 885825"/>
-              <a:gd name="connsiteY44" fmla="*/ 8284614 h 12192000"/>
-              <a:gd name="connsiteX45" fmla="*/ 730250 w 885825"/>
-              <a:gd name="connsiteY45" fmla="*/ 8337001 h 12192000"/>
-              <a:gd name="connsiteX46" fmla="*/ 744538 w 885825"/>
-              <a:gd name="connsiteY46" fmla="*/ 8383039 h 12192000"/>
-              <a:gd name="connsiteX47" fmla="*/ 760413 w 885825"/>
-              <a:gd name="connsiteY47" fmla="*/ 8424314 h 12192000"/>
-              <a:gd name="connsiteX48" fmla="*/ 779463 w 885825"/>
-              <a:gd name="connsiteY48" fmla="*/ 8460826 h 12192000"/>
-              <a:gd name="connsiteX49" fmla="*/ 798513 w 885825"/>
-              <a:gd name="connsiteY49" fmla="*/ 8498926 h 12192000"/>
-              <a:gd name="connsiteX50" fmla="*/ 817563 w 885825"/>
-              <a:gd name="connsiteY50" fmla="*/ 8537026 h 12192000"/>
-              <a:gd name="connsiteX51" fmla="*/ 833438 w 885825"/>
-              <a:gd name="connsiteY51" fmla="*/ 8573540 h 12192000"/>
-              <a:gd name="connsiteX52" fmla="*/ 849313 w 885825"/>
-              <a:gd name="connsiteY52" fmla="*/ 8614814 h 12192000"/>
-              <a:gd name="connsiteX53" fmla="*/ 865188 w 885825"/>
-              <a:gd name="connsiteY53" fmla="*/ 8660852 h 12192000"/>
-              <a:gd name="connsiteX54" fmla="*/ 876300 w 885825"/>
-              <a:gd name="connsiteY54" fmla="*/ 8713240 h 12192000"/>
-              <a:gd name="connsiteX55" fmla="*/ 882650 w 885825"/>
-              <a:gd name="connsiteY55" fmla="*/ 8773564 h 12192000"/>
-              <a:gd name="connsiteX56" fmla="*/ 885825 w 885825"/>
-              <a:gd name="connsiteY56" fmla="*/ 8840240 h 12192000"/>
-              <a:gd name="connsiteX57" fmla="*/ 882650 w 885825"/>
-              <a:gd name="connsiteY57" fmla="*/ 8910090 h 12192000"/>
-              <a:gd name="connsiteX58" fmla="*/ 876300 w 885825"/>
-              <a:gd name="connsiteY58" fmla="*/ 8970414 h 12192000"/>
-              <a:gd name="connsiteX59" fmla="*/ 865188 w 885825"/>
-              <a:gd name="connsiteY59" fmla="*/ 9022802 h 12192000"/>
-              <a:gd name="connsiteX60" fmla="*/ 849313 w 885825"/>
-              <a:gd name="connsiteY60" fmla="*/ 9068840 h 12192000"/>
-              <a:gd name="connsiteX61" fmla="*/ 833438 w 885825"/>
-              <a:gd name="connsiteY61" fmla="*/ 9110114 h 12192000"/>
-              <a:gd name="connsiteX62" fmla="*/ 817563 w 885825"/>
-              <a:gd name="connsiteY62" fmla="*/ 9146628 h 12192000"/>
-              <a:gd name="connsiteX63" fmla="*/ 798513 w 885825"/>
-              <a:gd name="connsiteY63" fmla="*/ 9184728 h 12192000"/>
-              <a:gd name="connsiteX64" fmla="*/ 779463 w 885825"/>
-              <a:gd name="connsiteY64" fmla="*/ 9222828 h 12192000"/>
-              <a:gd name="connsiteX65" fmla="*/ 760413 w 885825"/>
-              <a:gd name="connsiteY65" fmla="*/ 9259340 h 12192000"/>
-              <a:gd name="connsiteX66" fmla="*/ 744538 w 885825"/>
-              <a:gd name="connsiteY66" fmla="*/ 9300614 h 12192000"/>
-              <a:gd name="connsiteX67" fmla="*/ 730250 w 885825"/>
-              <a:gd name="connsiteY67" fmla="*/ 9346652 h 12192000"/>
-              <a:gd name="connsiteX68" fmla="*/ 719138 w 885825"/>
-              <a:gd name="connsiteY68" fmla="*/ 9399040 h 12192000"/>
-              <a:gd name="connsiteX69" fmla="*/ 711200 w 885825"/>
-              <a:gd name="connsiteY69" fmla="*/ 9459364 h 12192000"/>
-              <a:gd name="connsiteX70" fmla="*/ 709613 w 885825"/>
-              <a:gd name="connsiteY70" fmla="*/ 9527628 h 12192000"/>
-              <a:gd name="connsiteX71" fmla="*/ 711200 w 885825"/>
-              <a:gd name="connsiteY71" fmla="*/ 9595890 h 12192000"/>
-              <a:gd name="connsiteX72" fmla="*/ 719138 w 885825"/>
-              <a:gd name="connsiteY72" fmla="*/ 9656214 h 12192000"/>
-              <a:gd name="connsiteX73" fmla="*/ 730250 w 885825"/>
-              <a:gd name="connsiteY73" fmla="*/ 9708602 h 12192000"/>
-              <a:gd name="connsiteX74" fmla="*/ 744538 w 885825"/>
-              <a:gd name="connsiteY74" fmla="*/ 9754640 h 12192000"/>
-              <a:gd name="connsiteX75" fmla="*/ 760413 w 885825"/>
-              <a:gd name="connsiteY75" fmla="*/ 9795914 h 12192000"/>
-              <a:gd name="connsiteX76" fmla="*/ 779463 w 885825"/>
-              <a:gd name="connsiteY76" fmla="*/ 9832428 h 12192000"/>
-              <a:gd name="connsiteX77" fmla="*/ 817563 w 885825"/>
-              <a:gd name="connsiteY77" fmla="*/ 9908628 h 12192000"/>
-              <a:gd name="connsiteX78" fmla="*/ 833438 w 885825"/>
-              <a:gd name="connsiteY78" fmla="*/ 9945140 h 12192000"/>
-              <a:gd name="connsiteX79" fmla="*/ 849313 w 885825"/>
-              <a:gd name="connsiteY79" fmla="*/ 9986414 h 12192000"/>
-              <a:gd name="connsiteX80" fmla="*/ 865188 w 885825"/>
-              <a:gd name="connsiteY80" fmla="*/ 10032452 h 12192000"/>
-              <a:gd name="connsiteX81" fmla="*/ 876300 w 885825"/>
-              <a:gd name="connsiteY81" fmla="*/ 10084840 h 12192000"/>
-              <a:gd name="connsiteX82" fmla="*/ 882650 w 885825"/>
-              <a:gd name="connsiteY82" fmla="*/ 10145164 h 12192000"/>
-              <a:gd name="connsiteX83" fmla="*/ 885825 w 885825"/>
-              <a:gd name="connsiteY83" fmla="*/ 10213428 h 12192000"/>
-              <a:gd name="connsiteX84" fmla="*/ 882650 w 885825"/>
-              <a:gd name="connsiteY84" fmla="*/ 10281690 h 12192000"/>
-              <a:gd name="connsiteX85" fmla="*/ 876300 w 885825"/>
-              <a:gd name="connsiteY85" fmla="*/ 10342014 h 12192000"/>
-              <a:gd name="connsiteX86" fmla="*/ 865188 w 885825"/>
-              <a:gd name="connsiteY86" fmla="*/ 10394402 h 12192000"/>
-              <a:gd name="connsiteX87" fmla="*/ 849313 w 885825"/>
-              <a:gd name="connsiteY87" fmla="*/ 10440440 h 12192000"/>
-              <a:gd name="connsiteX88" fmla="*/ 833438 w 885825"/>
-              <a:gd name="connsiteY88" fmla="*/ 10481714 h 12192000"/>
-              <a:gd name="connsiteX89" fmla="*/ 817563 w 885825"/>
-              <a:gd name="connsiteY89" fmla="*/ 10518228 h 12192000"/>
-              <a:gd name="connsiteX90" fmla="*/ 798513 w 885825"/>
-              <a:gd name="connsiteY90" fmla="*/ 10556328 h 12192000"/>
-              <a:gd name="connsiteX91" fmla="*/ 779463 w 885825"/>
-              <a:gd name="connsiteY91" fmla="*/ 10594428 h 12192000"/>
-              <a:gd name="connsiteX92" fmla="*/ 760413 w 885825"/>
-              <a:gd name="connsiteY92" fmla="*/ 10630940 h 12192000"/>
-              <a:gd name="connsiteX93" fmla="*/ 744538 w 885825"/>
-              <a:gd name="connsiteY93" fmla="*/ 10672214 h 12192000"/>
-              <a:gd name="connsiteX94" fmla="*/ 730250 w 885825"/>
-              <a:gd name="connsiteY94" fmla="*/ 10718252 h 12192000"/>
-              <a:gd name="connsiteX95" fmla="*/ 719138 w 885825"/>
-              <a:gd name="connsiteY95" fmla="*/ 10770640 h 12192000"/>
-              <a:gd name="connsiteX96" fmla="*/ 711200 w 885825"/>
-              <a:gd name="connsiteY96" fmla="*/ 10830964 h 12192000"/>
-              <a:gd name="connsiteX97" fmla="*/ 709613 w 885825"/>
-              <a:gd name="connsiteY97" fmla="*/ 10899228 h 12192000"/>
-              <a:gd name="connsiteX98" fmla="*/ 711200 w 885825"/>
-              <a:gd name="connsiteY98" fmla="*/ 10967490 h 12192000"/>
-              <a:gd name="connsiteX99" fmla="*/ 719138 w 885825"/>
-              <a:gd name="connsiteY99" fmla="*/ 11027814 h 12192000"/>
-              <a:gd name="connsiteX100" fmla="*/ 730250 w 885825"/>
-              <a:gd name="connsiteY100" fmla="*/ 11080202 h 12192000"/>
-              <a:gd name="connsiteX101" fmla="*/ 744538 w 885825"/>
-              <a:gd name="connsiteY101" fmla="*/ 11126240 h 12192000"/>
-              <a:gd name="connsiteX102" fmla="*/ 760413 w 885825"/>
-              <a:gd name="connsiteY102" fmla="*/ 11167514 h 12192000"/>
-              <a:gd name="connsiteX103" fmla="*/ 779463 w 885825"/>
-              <a:gd name="connsiteY103" fmla="*/ 11204028 h 12192000"/>
-              <a:gd name="connsiteX104" fmla="*/ 798513 w 885825"/>
-              <a:gd name="connsiteY104" fmla="*/ 11242128 h 12192000"/>
-              <a:gd name="connsiteX105" fmla="*/ 817563 w 885825"/>
-              <a:gd name="connsiteY105" fmla="*/ 11280228 h 12192000"/>
-              <a:gd name="connsiteX106" fmla="*/ 833438 w 885825"/>
-              <a:gd name="connsiteY106" fmla="*/ 11316740 h 12192000"/>
-              <a:gd name="connsiteX107" fmla="*/ 849313 w 885825"/>
-              <a:gd name="connsiteY107" fmla="*/ 11358014 h 12192000"/>
-              <a:gd name="connsiteX108" fmla="*/ 865188 w 885825"/>
-              <a:gd name="connsiteY108" fmla="*/ 11404052 h 12192000"/>
-              <a:gd name="connsiteX109" fmla="*/ 876300 w 885825"/>
-              <a:gd name="connsiteY109" fmla="*/ 11456440 h 12192000"/>
-              <a:gd name="connsiteX110" fmla="*/ 882650 w 885825"/>
-              <a:gd name="connsiteY110" fmla="*/ 11516764 h 12192000"/>
-              <a:gd name="connsiteX111" fmla="*/ 885825 w 885825"/>
-              <a:gd name="connsiteY111" fmla="*/ 11585028 h 12192000"/>
-              <a:gd name="connsiteX112" fmla="*/ 882650 w 885825"/>
-              <a:gd name="connsiteY112" fmla="*/ 11653290 h 12192000"/>
-              <a:gd name="connsiteX113" fmla="*/ 876300 w 885825"/>
-              <a:gd name="connsiteY113" fmla="*/ 11713614 h 12192000"/>
-              <a:gd name="connsiteX114" fmla="*/ 865188 w 885825"/>
-              <a:gd name="connsiteY114" fmla="*/ 11766002 h 12192000"/>
-              <a:gd name="connsiteX115" fmla="*/ 849313 w 885825"/>
-              <a:gd name="connsiteY115" fmla="*/ 11812040 h 12192000"/>
-              <a:gd name="connsiteX116" fmla="*/ 833438 w 885825"/>
-              <a:gd name="connsiteY116" fmla="*/ 11853314 h 12192000"/>
-              <a:gd name="connsiteX117" fmla="*/ 817563 w 885825"/>
-              <a:gd name="connsiteY117" fmla="*/ 11889828 h 12192000"/>
-              <a:gd name="connsiteX118" fmla="*/ 798513 w 885825"/>
-              <a:gd name="connsiteY118" fmla="*/ 11927928 h 12192000"/>
-              <a:gd name="connsiteX119" fmla="*/ 779463 w 885825"/>
-              <a:gd name="connsiteY119" fmla="*/ 11966028 h 12192000"/>
-              <a:gd name="connsiteX120" fmla="*/ 760413 w 885825"/>
-              <a:gd name="connsiteY120" fmla="*/ 12002540 h 12192000"/>
-              <a:gd name="connsiteX121" fmla="*/ 744538 w 885825"/>
-              <a:gd name="connsiteY121" fmla="*/ 12043814 h 12192000"/>
-              <a:gd name="connsiteX122" fmla="*/ 730250 w 885825"/>
-              <a:gd name="connsiteY122" fmla="*/ 12089852 h 12192000"/>
-              <a:gd name="connsiteX123" fmla="*/ 719138 w 885825"/>
-              <a:gd name="connsiteY123" fmla="*/ 12142240 h 12192000"/>
-              <a:gd name="connsiteX124" fmla="*/ 712590 w 885825"/>
-              <a:gd name="connsiteY124" fmla="*/ 12192000 h 12192000"/>
-              <a:gd name="connsiteX125" fmla="*/ 0 w 885825"/>
-              <a:gd name="connsiteY125" fmla="*/ 12192000 h 12192000"/>
-              <a:gd name="connsiteX126" fmla="*/ 0 w 885825"/>
-              <a:gd name="connsiteY126" fmla="*/ 6779170 h 12192000"/>
-              <a:gd name="connsiteX127" fmla="*/ 0 w 885825"/>
-              <a:gd name="connsiteY127" fmla="*/ 6779170 h 12192000"/>
-              <a:gd name="connsiteX128" fmla="*/ 0 w 885825"/>
-              <a:gd name="connsiteY128" fmla="*/ 0 h 12192000"/>
-              <a:gd name="connsiteX129" fmla="*/ 712590 w 885825"/>
-              <a:gd name="connsiteY129" fmla="*/ 0 h 12192000"/>
-              <a:gd name="connsiteX130" fmla="*/ 719137 w 885825"/>
-              <a:gd name="connsiteY130" fmla="*/ 49758 h 12192000"/>
-              <a:gd name="connsiteX131" fmla="*/ 730249 w 885825"/>
-              <a:gd name="connsiteY131" fmla="*/ 102145 h 12192000"/>
-              <a:gd name="connsiteX132" fmla="*/ 744537 w 885825"/>
-              <a:gd name="connsiteY132" fmla="*/ 148183 h 12192000"/>
-              <a:gd name="connsiteX133" fmla="*/ 760412 w 885825"/>
-              <a:gd name="connsiteY133" fmla="*/ 189458 h 12192000"/>
-              <a:gd name="connsiteX134" fmla="*/ 779462 w 885825"/>
-              <a:gd name="connsiteY134" fmla="*/ 225970 h 12192000"/>
-              <a:gd name="connsiteX135" fmla="*/ 798512 w 885825"/>
-              <a:gd name="connsiteY135" fmla="*/ 264070 h 12192000"/>
-              <a:gd name="connsiteX136" fmla="*/ 817562 w 885825"/>
-              <a:gd name="connsiteY136" fmla="*/ 302170 h 12192000"/>
-              <a:gd name="connsiteX137" fmla="*/ 833437 w 885825"/>
-              <a:gd name="connsiteY137" fmla="*/ 338683 h 12192000"/>
-              <a:gd name="connsiteX138" fmla="*/ 849312 w 885825"/>
-              <a:gd name="connsiteY138" fmla="*/ 379958 h 12192000"/>
-              <a:gd name="connsiteX139" fmla="*/ 865187 w 885825"/>
-              <a:gd name="connsiteY139" fmla="*/ 425995 h 12192000"/>
-              <a:gd name="connsiteX140" fmla="*/ 876299 w 885825"/>
-              <a:gd name="connsiteY140" fmla="*/ 478383 h 12192000"/>
-              <a:gd name="connsiteX141" fmla="*/ 882649 w 885825"/>
-              <a:gd name="connsiteY141" fmla="*/ 538708 h 12192000"/>
-              <a:gd name="connsiteX142" fmla="*/ 885824 w 885825"/>
-              <a:gd name="connsiteY142" fmla="*/ 606970 h 12192000"/>
-              <a:gd name="connsiteX143" fmla="*/ 882649 w 885825"/>
-              <a:gd name="connsiteY143" fmla="*/ 675233 h 12192000"/>
-              <a:gd name="connsiteX144" fmla="*/ 876299 w 885825"/>
-              <a:gd name="connsiteY144" fmla="*/ 735558 h 12192000"/>
-              <a:gd name="connsiteX145" fmla="*/ 865187 w 885825"/>
-              <a:gd name="connsiteY145" fmla="*/ 787945 h 12192000"/>
-              <a:gd name="connsiteX146" fmla="*/ 849312 w 885825"/>
-              <a:gd name="connsiteY146" fmla="*/ 833983 h 12192000"/>
-              <a:gd name="connsiteX147" fmla="*/ 833437 w 885825"/>
-              <a:gd name="connsiteY147" fmla="*/ 875258 h 12192000"/>
-              <a:gd name="connsiteX148" fmla="*/ 817562 w 885825"/>
-              <a:gd name="connsiteY148" fmla="*/ 911770 h 12192000"/>
-              <a:gd name="connsiteX149" fmla="*/ 798512 w 885825"/>
-              <a:gd name="connsiteY149" fmla="*/ 949870 h 12192000"/>
-              <a:gd name="connsiteX150" fmla="*/ 779462 w 885825"/>
-              <a:gd name="connsiteY150" fmla="*/ 987970 h 12192000"/>
-              <a:gd name="connsiteX151" fmla="*/ 760412 w 885825"/>
-              <a:gd name="connsiteY151" fmla="*/ 1024483 h 12192000"/>
-              <a:gd name="connsiteX152" fmla="*/ 744537 w 885825"/>
-              <a:gd name="connsiteY152" fmla="*/ 1065758 h 12192000"/>
-              <a:gd name="connsiteX153" fmla="*/ 730249 w 885825"/>
-              <a:gd name="connsiteY153" fmla="*/ 1111795 h 12192000"/>
-              <a:gd name="connsiteX154" fmla="*/ 719137 w 885825"/>
-              <a:gd name="connsiteY154" fmla="*/ 1164183 h 12192000"/>
-              <a:gd name="connsiteX155" fmla="*/ 711199 w 885825"/>
-              <a:gd name="connsiteY155" fmla="*/ 1224508 h 12192000"/>
-              <a:gd name="connsiteX156" fmla="*/ 709612 w 885825"/>
-              <a:gd name="connsiteY156" fmla="*/ 1292770 h 12192000"/>
-              <a:gd name="connsiteX157" fmla="*/ 711199 w 885825"/>
-              <a:gd name="connsiteY157" fmla="*/ 1361033 h 12192000"/>
-              <a:gd name="connsiteX158" fmla="*/ 719137 w 885825"/>
-              <a:gd name="connsiteY158" fmla="*/ 1421358 h 12192000"/>
-              <a:gd name="connsiteX159" fmla="*/ 730249 w 885825"/>
-              <a:gd name="connsiteY159" fmla="*/ 1473745 h 12192000"/>
-              <a:gd name="connsiteX160" fmla="*/ 744537 w 885825"/>
-              <a:gd name="connsiteY160" fmla="*/ 1519783 h 12192000"/>
-              <a:gd name="connsiteX161" fmla="*/ 760412 w 885825"/>
-              <a:gd name="connsiteY161" fmla="*/ 1561058 h 12192000"/>
-              <a:gd name="connsiteX162" fmla="*/ 779462 w 885825"/>
-              <a:gd name="connsiteY162" fmla="*/ 1597570 h 12192000"/>
-              <a:gd name="connsiteX163" fmla="*/ 798512 w 885825"/>
-              <a:gd name="connsiteY163" fmla="*/ 1635670 h 12192000"/>
-              <a:gd name="connsiteX164" fmla="*/ 817562 w 885825"/>
-              <a:gd name="connsiteY164" fmla="*/ 1673770 h 12192000"/>
-              <a:gd name="connsiteX165" fmla="*/ 833437 w 885825"/>
-              <a:gd name="connsiteY165" fmla="*/ 1710283 h 12192000"/>
-              <a:gd name="connsiteX166" fmla="*/ 849312 w 885825"/>
-              <a:gd name="connsiteY166" fmla="*/ 1751558 h 12192000"/>
-              <a:gd name="connsiteX167" fmla="*/ 865187 w 885825"/>
-              <a:gd name="connsiteY167" fmla="*/ 1797595 h 12192000"/>
-              <a:gd name="connsiteX168" fmla="*/ 876299 w 885825"/>
-              <a:gd name="connsiteY168" fmla="*/ 1849983 h 12192000"/>
-              <a:gd name="connsiteX169" fmla="*/ 882649 w 885825"/>
-              <a:gd name="connsiteY169" fmla="*/ 1910308 h 12192000"/>
-              <a:gd name="connsiteX170" fmla="*/ 885824 w 885825"/>
-              <a:gd name="connsiteY170" fmla="*/ 1978570 h 12192000"/>
-              <a:gd name="connsiteX171" fmla="*/ 882649 w 885825"/>
-              <a:gd name="connsiteY171" fmla="*/ 2046833 h 12192000"/>
-              <a:gd name="connsiteX172" fmla="*/ 876299 w 885825"/>
-              <a:gd name="connsiteY172" fmla="*/ 2107158 h 12192000"/>
-              <a:gd name="connsiteX173" fmla="*/ 865187 w 885825"/>
-              <a:gd name="connsiteY173" fmla="*/ 2159545 h 12192000"/>
-              <a:gd name="connsiteX174" fmla="*/ 849312 w 885825"/>
-              <a:gd name="connsiteY174" fmla="*/ 2205583 h 12192000"/>
-              <a:gd name="connsiteX175" fmla="*/ 833437 w 885825"/>
-              <a:gd name="connsiteY175" fmla="*/ 2246858 h 12192000"/>
-              <a:gd name="connsiteX176" fmla="*/ 817562 w 885825"/>
-              <a:gd name="connsiteY176" fmla="*/ 2283370 h 12192000"/>
-              <a:gd name="connsiteX177" fmla="*/ 798512 w 885825"/>
-              <a:gd name="connsiteY177" fmla="*/ 2321470 h 12192000"/>
-              <a:gd name="connsiteX178" fmla="*/ 779462 w 885825"/>
-              <a:gd name="connsiteY178" fmla="*/ 2359570 h 12192000"/>
-              <a:gd name="connsiteX179" fmla="*/ 760412 w 885825"/>
-              <a:gd name="connsiteY179" fmla="*/ 2396083 h 12192000"/>
-              <a:gd name="connsiteX180" fmla="*/ 744537 w 885825"/>
-              <a:gd name="connsiteY180" fmla="*/ 2437358 h 12192000"/>
-              <a:gd name="connsiteX181" fmla="*/ 730249 w 885825"/>
-              <a:gd name="connsiteY181" fmla="*/ 2483395 h 12192000"/>
-              <a:gd name="connsiteX182" fmla="*/ 719137 w 885825"/>
-              <a:gd name="connsiteY182" fmla="*/ 2535782 h 12192000"/>
-              <a:gd name="connsiteX183" fmla="*/ 711199 w 885825"/>
-              <a:gd name="connsiteY183" fmla="*/ 2596108 h 12192000"/>
-              <a:gd name="connsiteX184" fmla="*/ 709612 w 885825"/>
-              <a:gd name="connsiteY184" fmla="*/ 2664370 h 12192000"/>
-              <a:gd name="connsiteX185" fmla="*/ 711199 w 885825"/>
-              <a:gd name="connsiteY185" fmla="*/ 2732633 h 12192000"/>
-              <a:gd name="connsiteX186" fmla="*/ 719137 w 885825"/>
-              <a:gd name="connsiteY186" fmla="*/ 2792958 h 12192000"/>
-              <a:gd name="connsiteX187" fmla="*/ 730249 w 885825"/>
-              <a:gd name="connsiteY187" fmla="*/ 2845345 h 12192000"/>
-              <a:gd name="connsiteX188" fmla="*/ 744537 w 885825"/>
-              <a:gd name="connsiteY188" fmla="*/ 2891383 h 12192000"/>
-              <a:gd name="connsiteX189" fmla="*/ 760412 w 885825"/>
-              <a:gd name="connsiteY189" fmla="*/ 2932658 h 12192000"/>
-              <a:gd name="connsiteX190" fmla="*/ 779462 w 885825"/>
-              <a:gd name="connsiteY190" fmla="*/ 2969170 h 12192000"/>
-              <a:gd name="connsiteX191" fmla="*/ 798512 w 885825"/>
-              <a:gd name="connsiteY191" fmla="*/ 3007270 h 12192000"/>
-              <a:gd name="connsiteX192" fmla="*/ 817562 w 885825"/>
-              <a:gd name="connsiteY192" fmla="*/ 3045370 h 12192000"/>
-              <a:gd name="connsiteX193" fmla="*/ 833437 w 885825"/>
-              <a:gd name="connsiteY193" fmla="*/ 3081883 h 12192000"/>
-              <a:gd name="connsiteX194" fmla="*/ 849312 w 885825"/>
-              <a:gd name="connsiteY194" fmla="*/ 3123158 h 12192000"/>
-              <a:gd name="connsiteX195" fmla="*/ 865187 w 885825"/>
-              <a:gd name="connsiteY195" fmla="*/ 3169195 h 12192000"/>
-              <a:gd name="connsiteX196" fmla="*/ 876299 w 885825"/>
-              <a:gd name="connsiteY196" fmla="*/ 3221583 h 12192000"/>
-              <a:gd name="connsiteX197" fmla="*/ 882649 w 885825"/>
-              <a:gd name="connsiteY197" fmla="*/ 3281908 h 12192000"/>
-              <a:gd name="connsiteX198" fmla="*/ 885824 w 885825"/>
-              <a:gd name="connsiteY198" fmla="*/ 3348582 h 12192000"/>
-              <a:gd name="connsiteX199" fmla="*/ 882649 w 885825"/>
-              <a:gd name="connsiteY199" fmla="*/ 3418433 h 12192000"/>
-              <a:gd name="connsiteX200" fmla="*/ 876299 w 885825"/>
-              <a:gd name="connsiteY200" fmla="*/ 3478758 h 12192000"/>
-              <a:gd name="connsiteX201" fmla="*/ 865187 w 885825"/>
-              <a:gd name="connsiteY201" fmla="*/ 3531145 h 12192000"/>
-              <a:gd name="connsiteX202" fmla="*/ 849312 w 885825"/>
-              <a:gd name="connsiteY202" fmla="*/ 3577183 h 12192000"/>
-              <a:gd name="connsiteX203" fmla="*/ 833437 w 885825"/>
-              <a:gd name="connsiteY203" fmla="*/ 3618458 h 12192000"/>
-              <a:gd name="connsiteX204" fmla="*/ 817562 w 885825"/>
-              <a:gd name="connsiteY204" fmla="*/ 3654970 h 12192000"/>
-              <a:gd name="connsiteX205" fmla="*/ 798512 w 885825"/>
-              <a:gd name="connsiteY205" fmla="*/ 3693070 h 12192000"/>
-              <a:gd name="connsiteX206" fmla="*/ 779462 w 885825"/>
-              <a:gd name="connsiteY206" fmla="*/ 3731170 h 12192000"/>
-              <a:gd name="connsiteX207" fmla="*/ 760412 w 885825"/>
-              <a:gd name="connsiteY207" fmla="*/ 3767683 h 12192000"/>
-              <a:gd name="connsiteX208" fmla="*/ 744537 w 885825"/>
-              <a:gd name="connsiteY208" fmla="*/ 3808958 h 12192000"/>
-              <a:gd name="connsiteX209" fmla="*/ 730249 w 885825"/>
-              <a:gd name="connsiteY209" fmla="*/ 3854995 h 12192000"/>
-              <a:gd name="connsiteX210" fmla="*/ 719137 w 885825"/>
-              <a:gd name="connsiteY210" fmla="*/ 3907383 h 12192000"/>
-              <a:gd name="connsiteX211" fmla="*/ 711199 w 885825"/>
-              <a:gd name="connsiteY211" fmla="*/ 3967708 h 12192000"/>
-              <a:gd name="connsiteX212" fmla="*/ 709612 w 885825"/>
-              <a:gd name="connsiteY212" fmla="*/ 4035970 h 12192000"/>
-              <a:gd name="connsiteX213" fmla="*/ 711199 w 885825"/>
-              <a:gd name="connsiteY213" fmla="*/ 4104233 h 12192000"/>
-              <a:gd name="connsiteX214" fmla="*/ 719137 w 885825"/>
-              <a:gd name="connsiteY214" fmla="*/ 4164557 h 12192000"/>
-              <a:gd name="connsiteX215" fmla="*/ 730249 w 885825"/>
-              <a:gd name="connsiteY215" fmla="*/ 4216946 h 12192000"/>
-              <a:gd name="connsiteX216" fmla="*/ 744537 w 885825"/>
-              <a:gd name="connsiteY216" fmla="*/ 4262982 h 12192000"/>
-              <a:gd name="connsiteX217" fmla="*/ 760412 w 885825"/>
-              <a:gd name="connsiteY217" fmla="*/ 4304258 h 12192000"/>
-              <a:gd name="connsiteX218" fmla="*/ 779462 w 885825"/>
-              <a:gd name="connsiteY218" fmla="*/ 4340770 h 12192000"/>
-              <a:gd name="connsiteX219" fmla="*/ 817562 w 885825"/>
-              <a:gd name="connsiteY219" fmla="*/ 4416970 h 12192000"/>
-              <a:gd name="connsiteX220" fmla="*/ 833437 w 885825"/>
-              <a:gd name="connsiteY220" fmla="*/ 4453483 h 12192000"/>
-              <a:gd name="connsiteX221" fmla="*/ 849312 w 885825"/>
-              <a:gd name="connsiteY221" fmla="*/ 4494758 h 12192000"/>
-              <a:gd name="connsiteX222" fmla="*/ 865187 w 885825"/>
-              <a:gd name="connsiteY222" fmla="*/ 4540795 h 12192000"/>
-              <a:gd name="connsiteX223" fmla="*/ 876299 w 885825"/>
-              <a:gd name="connsiteY223" fmla="*/ 4593183 h 12192000"/>
-              <a:gd name="connsiteX224" fmla="*/ 882649 w 885825"/>
-              <a:gd name="connsiteY224" fmla="*/ 4653508 h 12192000"/>
-              <a:gd name="connsiteX225" fmla="*/ 885824 w 885825"/>
-              <a:gd name="connsiteY225" fmla="*/ 4721770 h 12192000"/>
-              <a:gd name="connsiteX226" fmla="*/ 882649 w 885825"/>
-              <a:gd name="connsiteY226" fmla="*/ 4790033 h 12192000"/>
-              <a:gd name="connsiteX227" fmla="*/ 876299 w 885825"/>
-              <a:gd name="connsiteY227" fmla="*/ 4850357 h 12192000"/>
-              <a:gd name="connsiteX228" fmla="*/ 865187 w 885825"/>
-              <a:gd name="connsiteY228" fmla="*/ 4902746 h 12192000"/>
-              <a:gd name="connsiteX229" fmla="*/ 849312 w 885825"/>
-              <a:gd name="connsiteY229" fmla="*/ 4948782 h 12192000"/>
-              <a:gd name="connsiteX230" fmla="*/ 833437 w 885825"/>
-              <a:gd name="connsiteY230" fmla="*/ 4990057 h 12192000"/>
-              <a:gd name="connsiteX231" fmla="*/ 817562 w 885825"/>
-              <a:gd name="connsiteY231" fmla="*/ 5026570 h 12192000"/>
-              <a:gd name="connsiteX232" fmla="*/ 798512 w 885825"/>
-              <a:gd name="connsiteY232" fmla="*/ 5064670 h 12192000"/>
-              <a:gd name="connsiteX233" fmla="*/ 779462 w 885825"/>
-              <a:gd name="connsiteY233" fmla="*/ 5102770 h 12192000"/>
-              <a:gd name="connsiteX234" fmla="*/ 760412 w 885825"/>
-              <a:gd name="connsiteY234" fmla="*/ 5139283 h 12192000"/>
-              <a:gd name="connsiteX235" fmla="*/ 744537 w 885825"/>
-              <a:gd name="connsiteY235" fmla="*/ 5180558 h 12192000"/>
-              <a:gd name="connsiteX236" fmla="*/ 730249 w 885825"/>
-              <a:gd name="connsiteY236" fmla="*/ 5226595 h 12192000"/>
-              <a:gd name="connsiteX237" fmla="*/ 719137 w 885825"/>
-              <a:gd name="connsiteY237" fmla="*/ 5278983 h 12192000"/>
-              <a:gd name="connsiteX238" fmla="*/ 711199 w 885825"/>
-              <a:gd name="connsiteY238" fmla="*/ 5339307 h 12192000"/>
-              <a:gd name="connsiteX239" fmla="*/ 709612 w 885825"/>
-              <a:gd name="connsiteY239" fmla="*/ 5407570 h 12192000"/>
-              <a:gd name="connsiteX240" fmla="*/ 711199 w 885825"/>
-              <a:gd name="connsiteY240" fmla="*/ 5475833 h 12192000"/>
-              <a:gd name="connsiteX241" fmla="*/ 719137 w 885825"/>
-              <a:gd name="connsiteY241" fmla="*/ 5536158 h 12192000"/>
-              <a:gd name="connsiteX242" fmla="*/ 730249 w 885825"/>
-              <a:gd name="connsiteY242" fmla="*/ 5588545 h 12192000"/>
-              <a:gd name="connsiteX243" fmla="*/ 744537 w 885825"/>
-              <a:gd name="connsiteY243" fmla="*/ 5634583 h 12192000"/>
-              <a:gd name="connsiteX244" fmla="*/ 760412 w 885825"/>
-              <a:gd name="connsiteY244" fmla="*/ 5675858 h 12192000"/>
-              <a:gd name="connsiteX245" fmla="*/ 779462 w 885825"/>
-              <a:gd name="connsiteY245" fmla="*/ 5712371 h 12192000"/>
-              <a:gd name="connsiteX246" fmla="*/ 798512 w 885825"/>
-              <a:gd name="connsiteY246" fmla="*/ 5750471 h 12192000"/>
-              <a:gd name="connsiteX247" fmla="*/ 817562 w 885825"/>
-              <a:gd name="connsiteY247" fmla="*/ 5788571 h 12192000"/>
-              <a:gd name="connsiteX248" fmla="*/ 833437 w 885825"/>
-              <a:gd name="connsiteY248" fmla="*/ 5825083 h 12192000"/>
-              <a:gd name="connsiteX249" fmla="*/ 849312 w 885825"/>
-              <a:gd name="connsiteY249" fmla="*/ 5866358 h 12192000"/>
-              <a:gd name="connsiteX250" fmla="*/ 865187 w 885825"/>
-              <a:gd name="connsiteY250" fmla="*/ 5912395 h 12192000"/>
-              <a:gd name="connsiteX251" fmla="*/ 876299 w 885825"/>
-              <a:gd name="connsiteY251" fmla="*/ 5964783 h 12192000"/>
-              <a:gd name="connsiteX252" fmla="*/ 882649 w 885825"/>
-              <a:gd name="connsiteY252" fmla="*/ 6025108 h 12192000"/>
-              <a:gd name="connsiteX253" fmla="*/ 885824 w 885825"/>
-              <a:gd name="connsiteY253" fmla="*/ 6093370 h 12192000"/>
-              <a:gd name="connsiteX254" fmla="*/ 885703 w 885825"/>
-              <a:gd name="connsiteY254" fmla="*/ 6095988 h 12192000"/>
-            </a:gdLst>
-            <a:ahLst/>
-            <a:cxnLst>
-              <a:cxn ang="0">
-                <a:pos x="connsiteX0" y="connsiteY0"/>
-              </a:cxn>
-              <a:cxn ang="0">
-                <a:pos x="connsiteX1" y="connsiteY1"/>
-              </a:cxn>
-              <a:cxn ang="0">
-                <a:pos x="connsiteX2" y="connsiteY2"/>
-              </a:cxn>
-              <a:cxn ang="0">
-                <a:pos x="connsiteX3" y="connsiteY3"/>
-              </a:cxn>
-              <a:cxn ang="0">
-                <a:pos x="connsiteX4" y="connsiteY4"/>
-              </a:cxn>
-              <a:cxn ang="0">
-                <a:pos x="connsiteX5" y="connsiteY5"/>
-              </a:cxn>
-              <a:cxn ang="0">
-                <a:pos x="connsiteX6" y="connsiteY6"/>
-              </a:cxn>
-              <a:cxn ang="0">
-                <a:pos x="connsiteX7" y="connsiteY7"/>
-              </a:cxn>
-              <a:cxn ang="0">
-                <a:pos x="connsiteX8" y="connsiteY8"/>
-              </a:cxn>
-              <a:cxn ang="0">
-                <a:pos x="connsiteX9" y="connsiteY9"/>
-              </a:cxn>
-              <a:cxn ang="0">
-                <a:pos x="connsiteX10" y="connsiteY10"/>
-              </a:cxn>
-              <a:cxn ang="0">
-                <a:pos x="connsiteX11" y="connsiteY11"/>
-              </a:cxn>
-              <a:cxn ang="0">
-                <a:pos x="connsiteX12" y="connsiteY12"/>
-              </a:cxn>
-              <a:cxn ang="0">
-                <a:pos x="connsiteX13" y="connsiteY13"/>
-              </a:cxn>
-              <a:cxn ang="0">
-                <a:pos x="connsiteX14" y="connsiteY14"/>
-              </a:cxn>
-              <a:cxn ang="0">
-                <a:pos x="connsiteX15" y="connsiteY15"/>
-              </a:cxn>
-              <a:cxn ang="0">
-                <a:pos x="connsiteX16" y="connsiteY16"/>
-              </a:cxn>
-              <a:cxn ang="0">
-                <a:pos x="connsiteX17" y="connsiteY17"/>
-              </a:cxn>
-              <a:cxn ang="0">
-                <a:pos x="connsiteX18" y="connsiteY18"/>
-              </a:cxn>
-              <a:cxn ang="0">
-                <a:pos x="connsiteX19" y="connsiteY19"/>
-              </a:cxn>
-              <a:cxn ang="0">
-                <a:pos x="connsiteX20" y="connsiteY20"/>
-              </a:cxn>
-              <a:cxn ang="0">
-                <a:pos x="connsiteX21" y="connsiteY21"/>
-              </a:cxn>
-              <a:cxn ang="0">
-                <a:pos x="connsiteX22" y="connsiteY22"/>
-              </a:cxn>
-              <a:cxn ang="0">
-                <a:pos x="connsiteX23" y="connsiteY23"/>
-              </a:cxn>
-              <a:cxn ang="0">
-                <a:pos x="connsiteX24" y="connsiteY24"/>
-              </a:cxn>
-              <a:cxn ang="0">
-                <a:pos x="connsiteX25" y="connsiteY25"/>
-              </a:cxn>
-              <a:cxn ang="0">
-                <a:pos x="connsiteX26" y="connsiteY26"/>
-              </a:cxn>
-              <a:cxn ang="0">
-                <a:pos x="connsiteX27" y="connsiteY27"/>
-              </a:cxn>
-              <a:cxn ang="0">
-                <a:pos x="connsiteX28" y="connsiteY28"/>
-              </a:cxn>
-              <a:cxn ang="0">
-                <a:pos x="connsiteX29" y="connsiteY29"/>
-              </a:cxn>
-              <a:cxn ang="0">
-                <a:pos x="connsiteX30" y="connsiteY30"/>
-              </a:cxn>
-              <a:cxn ang="0">
-                <a:pos x="connsiteX31" y="connsiteY31"/>
-              </a:cxn>
-              <a:cxn ang="0">
-                <a:pos x="connsiteX32" y="connsiteY32"/>
-              </a:cxn>
-              <a:cxn ang="0">
-                <a:pos x="connsiteX33" y="connsiteY33"/>
-              </a:cxn>
-              <a:cxn ang="0">
-                <a:pos x="connsiteX34" y="connsiteY34"/>
-              </a:cxn>
-              <a:cxn ang="0">
-                <a:pos x="connsiteX35" y="connsiteY35"/>
-              </a:cxn>
-              <a:cxn ang="0">
-                <a:pos x="connsiteX36" y="connsiteY36"/>
-              </a:cxn>
-              <a:cxn ang="0">
-                <a:pos x="connsiteX37" y="connsiteY37"/>
-              </a:cxn>
-              <a:cxn ang="0">
-                <a:pos x="connsiteX38" y="connsiteY38"/>
-              </a:cxn>
-              <a:cxn ang="0">
-                <a:pos x="connsiteX39" y="connsiteY39"/>
-              </a:cxn>
-              <a:cxn ang="0">
-                <a:pos x="connsiteX40" y="connsiteY40"/>
-              </a:cxn>
-              <a:cxn ang="0">
-                <a:pos x="connsiteX41" y="connsiteY41"/>
-              </a:cxn>
-              <a:cxn ang="0">
-                <a:pos x="connsiteX42" y="connsiteY42"/>
-              </a:cxn>
-              <a:cxn ang="0">
-                <a:pos x="connsiteX43" y="connsiteY43"/>
-              </a:cxn>
-              <a:cxn ang="0">
-                <a:pos x="connsiteX44" y="connsiteY44"/>
-              </a:cxn>
-              <a:cxn ang="0">
-                <a:pos x="connsiteX45" y="connsiteY45"/>
-              </a:cxn>
-              <a:cxn ang="0">
-                <a:pos x="connsiteX46" y="connsiteY46"/>
-              </a:cxn>
-              <a:cxn ang="0">
-                <a:pos x="connsiteX47" y="connsiteY47"/>
-              </a:cxn>
-              <a:cxn ang="0">
-                <a:pos x="connsiteX48" y="connsiteY48"/>
-              </a:cxn>
-              <a:cxn ang="0">
-                <a:pos x="connsiteX49" y="connsiteY49"/>
-              </a:cxn>
-              <a:cxn ang="0">
-                <a:pos x="connsiteX50" y="connsiteY50"/>
-              </a:cxn>
-              <a:cxn ang="0">
-                <a:pos x="connsiteX51" y="connsiteY51"/>
-              </a:cxn>
-              <a:cxn ang="0">
-                <a:pos x="connsiteX52" y="connsiteY52"/>
-              </a:cxn>
-              <a:cxn ang="0">
-                <a:pos x="connsiteX53" y="connsiteY53"/>
-              </a:cxn>
-              <a:cxn ang="0">
-                <a:pos x="connsiteX54" y="connsiteY54"/>
-              </a:cxn>
-              <a:cxn ang="0">
-                <a:pos x="connsiteX55" y="connsiteY55"/>
-              </a:cxn>
-              <a:cxn ang="0">
-                <a:pos x="connsiteX56" y="connsiteY56"/>
-              </a:cxn>
-              <a:cxn ang="0">
-                <a:pos x="connsiteX57" y="connsiteY57"/>
-              </a:cxn>
-              <a:cxn ang="0">
-                <a:pos x="connsiteX58" y="connsiteY58"/>
-              </a:cxn>
-              <a:cxn ang="0">
-                <a:pos x="connsiteX59" y="connsiteY59"/>
-              </a:cxn>
-              <a:cxn ang="0">
-                <a:pos x="connsiteX60" y="connsiteY60"/>
-              </a:cxn>
-              <a:cxn ang="0">
-                <a:pos x="connsiteX61" y="connsiteY61"/>
-              </a:cxn>
-              <a:cxn ang="0">
-                <a:pos x="connsiteX62" y="connsiteY62"/>
-              </a:cxn>
-              <a:cxn ang="0">
-                <a:pos x="connsiteX63" y="connsiteY63"/>
-              </a:cxn>
-              <a:cxn ang="0">
-                <a:pos x="connsiteX64" y="connsiteY64"/>
-              </a:cxn>
-              <a:cxn ang="0">
-                <a:pos x="connsiteX65" y="connsiteY65"/>
-              </a:cxn>
-              <a:cxn ang="0">
-                <a:pos x="connsiteX66" y="connsiteY66"/>
-              </a:cxn>
-              <a:cxn ang="0">
-                <a:pos x="connsiteX67" y="connsiteY67"/>
-              </a:cxn>
-              <a:cxn ang="0">
-                <a:pos x="connsiteX68" y="connsiteY68"/>
-              </a:cxn>
-              <a:cxn ang="0">
-                <a:pos x="connsiteX69" y="connsiteY69"/>
-              </a:cxn>
-              <a:cxn ang="0">
-                <a:pos x="connsiteX70" y="connsiteY70"/>
-              </a:cxn>
-              <a:cxn ang="0">
-                <a:pos x="connsiteX71" y="connsiteY71"/>
-              </a:cxn>
-              <a:cxn ang="0">
-                <a:pos x="connsiteX72" y="connsiteY72"/>
-              </a:cxn>
-              <a:cxn ang="0">
-                <a:pos x="connsiteX73" y="connsiteY73"/>
-              </a:cxn>
-              <a:cxn ang="0">
-                <a:pos x="connsiteX74" y="connsiteY74"/>
-              </a:cxn>
-              <a:cxn ang="0">
-                <a:pos x="connsiteX75" y="connsiteY75"/>
-              </a:cxn>
-              <a:cxn ang="0">
-                <a:pos x="connsiteX76" y="connsiteY76"/>
-              </a:cxn>
-              <a:cxn ang="0">
-                <a:pos x="connsiteX77" y="connsiteY77"/>
-              </a:cxn>
-              <a:cxn ang="0">
-                <a:pos x="connsiteX78" y="connsiteY78"/>
-              </a:cxn>
-              <a:cxn ang="0">
-                <a:pos x="connsiteX79" y="connsiteY79"/>
-              </a:cxn>
-              <a:cxn ang="0">
-                <a:pos x="connsiteX80" y="connsiteY80"/>
-              </a:cxn>
-              <a:cxn ang="0">
-                <a:pos x="connsiteX81" y="connsiteY81"/>
-              </a:cxn>
-              <a:cxn ang="0">
-                <a:pos x="connsiteX82" y="connsiteY82"/>
-              </a:cxn>
-              <a:cxn ang="0">
-                <a:pos x="connsiteX83" y="connsiteY83"/>
-              </a:cxn>
-              <a:cxn ang="0">
-                <a:pos x="connsiteX84" y="connsiteY84"/>
-              </a:cxn>
-              <a:cxn ang="0">
-                <a:pos x="connsiteX85" y="connsiteY85"/>
-              </a:cxn>
-              <a:cxn ang="0">
-                <a:pos x="connsiteX86" y="connsiteY86"/>
-              </a:cxn>
-              <a:cxn ang="0">
-                <a:pos x="connsiteX87" y="connsiteY87"/>
-              </a:cxn>
-              <a:cxn ang="0">
-                <a:pos x="connsiteX88" y="connsiteY88"/>
-              </a:cxn>
-              <a:cxn ang="0">
-                <a:pos x="connsiteX89" y="connsiteY89"/>
-              </a:cxn>
-              <a:cxn ang="0">
-                <a:pos x="connsiteX90" y="connsiteY90"/>
-              </a:cxn>
-              <a:cxn ang="0">
-                <a:pos x="connsiteX91" y="connsiteY91"/>
-              </a:cxn>
-              <a:cxn ang="0">
-                <a:pos x="connsiteX92" y="connsiteY92"/>
-              </a:cxn>
-              <a:cxn ang="0">
-                <a:pos x="connsiteX93" y="connsiteY93"/>
-              </a:cxn>
-              <a:cxn ang="0">
-                <a:pos x="connsiteX94" y="connsiteY94"/>
-              </a:cxn>
-              <a:cxn ang="0">
-                <a:pos x="connsiteX95" y="connsiteY95"/>
-              </a:cxn>
-              <a:cxn ang="0">
-                <a:pos x="connsiteX96" y="connsiteY96"/>
-              </a:cxn>
-              <a:cxn ang="0">
-                <a:pos x="connsiteX97" y="connsiteY97"/>
-              </a:cxn>
-              <a:cxn ang="0">
-                <a:pos x="connsiteX98" y="connsiteY98"/>
-              </a:cxn>
-              <a:cxn ang="0">
-                <a:pos x="connsiteX99" y="connsiteY99"/>
-              </a:cxn>
-              <a:cxn ang="0">
-                <a:pos x="connsiteX100" y="connsiteY100"/>
-              </a:cxn>
-              <a:cxn ang="0">
-                <a:pos x="connsiteX101" y="connsiteY101"/>
-              </a:cxn>
-              <a:cxn ang="0">
-                <a:pos x="connsiteX102" y="connsiteY102"/>
-              </a:cxn>
-              <a:cxn ang="0">
-                <a:pos x="connsiteX103" y="connsiteY103"/>
-              </a:cxn>
-              <a:cxn ang="0">
-                <a:pos x="connsiteX104" y="connsiteY104"/>
-              </a:cxn>
-              <a:cxn ang="0">
-                <a:pos x="connsiteX105" y="connsiteY105"/>
-              </a:cxn>
-              <a:cxn ang="0">
-                <a:pos x="connsiteX106" y="connsiteY106"/>
-              </a:cxn>
-              <a:cxn ang="0">
-                <a:pos x="connsiteX107" y="connsiteY107"/>
-              </a:cxn>
-              <a:cxn ang="0">
-                <a:pos x="connsiteX108" y="connsiteY108"/>
-              </a:cxn>
-              <a:cxn ang="0">
-                <a:pos x="connsiteX109" y="connsiteY109"/>
-              </a:cxn>
-              <a:cxn ang="0">
-                <a:pos x="connsiteX110" y="connsiteY110"/>
-              </a:cxn>
-              <a:cxn ang="0">
-                <a:pos x="connsiteX111" y="connsiteY111"/>
-              </a:cxn>
-              <a:cxn ang="0">
-                <a:pos x="connsiteX112" y="connsiteY112"/>
-              </a:cxn>
-              <a:cxn ang="0">
-                <a:pos x="connsiteX113" y="connsiteY113"/>
-              </a:cxn>
-              <a:cxn ang="0">
-                <a:pos x="connsiteX114" y="connsiteY114"/>
-              </a:cxn>
-              <a:cxn ang="0">
-                <a:pos x="connsiteX115" y="connsiteY115"/>
-              </a:cxn>
-              <a:cxn ang="0">
-                <a:pos x="connsiteX116" y="connsiteY116"/>
-              </a:cxn>
-              <a:cxn ang="0">
-                <a:pos x="connsiteX117" y="connsiteY117"/>
-              </a:cxn>
-              <a:cxn ang="0">
-                <a:pos x="connsiteX118" y="connsiteY118"/>
-              </a:cxn>
-              <a:cxn ang="0">
-                <a:pos x="connsiteX119" y="connsiteY119"/>
-              </a:cxn>
-              <a:cxn ang="0">
-                <a:pos x="connsiteX120" y="connsiteY120"/>
-              </a:cxn>
-              <a:cxn ang="0">
-                <a:pos x="connsiteX121" y="connsiteY121"/>
-              </a:cxn>
-              <a:cxn ang="0">
-                <a:pos x="connsiteX122" y="connsiteY122"/>
-              </a:cxn>
-              <a:cxn ang="0">
-                <a:pos x="connsiteX123" y="connsiteY123"/>
-              </a:cxn>
-              <a:cxn ang="0">
-                <a:pos x="connsiteX124" y="connsiteY124"/>
-              </a:cxn>
-              <a:cxn ang="0">
-                <a:pos x="connsiteX125" y="connsiteY125"/>
-              </a:cxn>
-              <a:cxn ang="0">
-                <a:pos x="connsiteX126" y="connsiteY126"/>
-              </a:cxn>
-              <a:cxn ang="0">
-                <a:pos x="connsiteX127" y="connsiteY127"/>
-              </a:cxn>
-              <a:cxn ang="0">
-                <a:pos x="connsiteX128" y="connsiteY128"/>
-              </a:cxn>
-              <a:cxn ang="0">
-                <a:pos x="connsiteX129" y="connsiteY129"/>
-              </a:cxn>
-              <a:cxn ang="0">
-                <a:pos x="connsiteX130" y="connsiteY130"/>
-              </a:cxn>
-              <a:cxn ang="0">
-                <a:pos x="connsiteX131" y="connsiteY131"/>
-              </a:cxn>
-              <a:cxn ang="0">
-                <a:pos x="connsiteX132" y="connsiteY132"/>
-              </a:cxn>
-              <a:cxn ang="0">
-                <a:pos x="connsiteX133" y="connsiteY133"/>
-              </a:cxn>
-              <a:cxn ang="0">
-                <a:pos x="connsiteX134" y="connsiteY134"/>
-              </a:cxn>
-              <a:cxn ang="0">
-                <a:pos x="connsiteX135" y="connsiteY135"/>
-              </a:cxn>
-              <a:cxn ang="0">
-                <a:pos x="connsiteX136" y="connsiteY136"/>
-              </a:cxn>
-              <a:cxn ang="0">
-                <a:pos x="connsiteX137" y="connsiteY137"/>
-              </a:cxn>
-              <a:cxn ang="0">
-                <a:pos x="connsiteX138" y="connsiteY138"/>
-              </a:cxn>
-              <a:cxn ang="0">
-                <a:pos x="connsiteX139" y="connsiteY139"/>
-              </a:cxn>
-              <a:cxn ang="0">
-                <a:pos x="connsiteX140" y="connsiteY140"/>
-              </a:cxn>
-              <a:cxn ang="0">
-                <a:pos x="connsiteX141" y="connsiteY141"/>
-              </a:cxn>
-              <a:cxn ang="0">
-                <a:pos x="connsiteX142" y="connsiteY142"/>
-              </a:cxn>
-              <a:cxn ang="0">
-                <a:pos x="connsiteX143" y="connsiteY143"/>
-              </a:cxn>
-              <a:cxn ang="0">
-                <a:pos x="connsiteX144" y="connsiteY144"/>
-              </a:cxn>
-              <a:cxn ang="0">
-                <a:pos x="connsiteX145" y="connsiteY145"/>
-              </a:cxn>
-              <a:cxn ang="0">
-                <a:pos x="connsiteX146" y="connsiteY146"/>
-              </a:cxn>
-              <a:cxn ang="0">
-                <a:pos x="connsiteX147" y="connsiteY147"/>
-              </a:cxn>
-              <a:cxn ang="0">
-                <a:pos x="connsiteX148" y="connsiteY148"/>
-              </a:cxn>
-              <a:cxn ang="0">
-                <a:pos x="connsiteX149" y="connsiteY149"/>
-              </a:cxn>
-              <a:cxn ang="0">
-                <a:pos x="connsiteX150" y="connsiteY150"/>
-              </a:cxn>
-              <a:cxn ang="0">
-                <a:pos x="connsiteX151" y="connsiteY151"/>
-              </a:cxn>
-              <a:cxn ang="0">
-                <a:pos x="connsiteX152" y="connsiteY152"/>
-              </a:cxn>
-              <a:cxn ang="0">
-                <a:pos x="connsiteX153" y="connsiteY153"/>
-              </a:cxn>
-              <a:cxn ang="0">
-                <a:pos x="connsiteX154" y="connsiteY154"/>
-              </a:cxn>
-              <a:cxn ang="0">
-                <a:pos x="connsiteX155" y="connsiteY155"/>
-              </a:cxn>
-              <a:cxn ang="0">
-                <a:pos x="connsiteX156" y="connsiteY156"/>
-              </a:cxn>
-              <a:cxn ang="0">
-                <a:pos x="connsiteX157" y="connsiteY157"/>
-              </a:cxn>
-              <a:cxn ang="0">
-                <a:pos x="connsiteX158" y="connsiteY158"/>
-              </a:cxn>
-              <a:cxn ang="0">
-                <a:pos x="connsiteX159" y="connsiteY159"/>
-              </a:cxn>
-              <a:cxn ang="0">
-                <a:pos x="connsiteX160" y="connsiteY160"/>
-              </a:cxn>
-              <a:cxn ang="0">
-                <a:pos x="connsiteX161" y="connsiteY161"/>
-              </a:cxn>
-              <a:cxn ang="0">
-                <a:pos x="connsiteX162" y="connsiteY162"/>
-              </a:cxn>
-              <a:cxn ang="0">
-                <a:pos x="connsiteX163" y="connsiteY163"/>
-              </a:cxn>
-              <a:cxn ang="0">
-                <a:pos x="connsiteX164" y="connsiteY164"/>
-              </a:cxn>
-              <a:cxn ang="0">
-                <a:pos x="connsiteX165" y="connsiteY165"/>
-              </a:cxn>
-              <a:cxn ang="0">
-                <a:pos x="connsiteX166" y="connsiteY166"/>
-              </a:cxn>
-              <a:cxn ang="0">
-                <a:pos x="connsiteX167" y="connsiteY167"/>
-              </a:cxn>
-              <a:cxn ang="0">
-                <a:pos x="connsiteX168" y="connsiteY168"/>
-              </a:cxn>
-              <a:cxn ang="0">
-                <a:pos x="connsiteX169" y="connsiteY169"/>
-              </a:cxn>
-              <a:cxn ang="0">
-                <a:pos x="connsiteX170" y="connsiteY170"/>
-              </a:cxn>
-              <a:cxn ang="0">
-                <a:pos x="connsiteX171" y="connsiteY171"/>
-              </a:cxn>
-              <a:cxn ang="0">
-                <a:pos x="connsiteX172" y="connsiteY172"/>
-              </a:cxn>
-              <a:cxn ang="0">
-                <a:pos x="connsiteX173" y="connsiteY173"/>
-              </a:cxn>
-              <a:cxn ang="0">
-                <a:pos x="connsiteX174" y="connsiteY174"/>
-              </a:cxn>
-              <a:cxn ang="0">
-                <a:pos x="connsiteX175" y="connsiteY175"/>
-              </a:cxn>
-              <a:cxn ang="0">
-                <a:pos x="connsiteX176" y="connsiteY176"/>
-              </a:cxn>
-              <a:cxn ang="0">
-                <a:pos x="connsiteX177" y="connsiteY177"/>
-              </a:cxn>
-              <a:cxn ang="0">
-                <a:pos x="connsiteX178" y="connsiteY178"/>
-              </a:cxn>
-              <a:cxn ang="0">
-                <a:pos x="connsiteX179" y="connsiteY179"/>
-              </a:cxn>
-              <a:cxn ang="0">
-                <a:pos x="connsiteX180" y="connsiteY180"/>
-              </a:cxn>
-              <a:cxn ang="0">
-                <a:pos x="connsiteX181" y="connsiteY181"/>
-              </a:cxn>
-              <a:cxn ang="0">
-                <a:pos x="connsiteX182" y="connsiteY182"/>
-              </a:cxn>
-              <a:cxn ang="0">
-                <a:pos x="connsiteX183" y="connsiteY183"/>
-              </a:cxn>
-              <a:cxn ang="0">
-                <a:pos x="connsiteX184" y="connsiteY184"/>
-              </a:cxn>
-              <a:cxn ang="0">
-                <a:pos x="connsiteX185" y="connsiteY185"/>
-              </a:cxn>
-              <a:cxn ang="0">
-                <a:pos x="connsiteX186" y="connsiteY186"/>
-              </a:cxn>
-              <a:cxn ang="0">
-                <a:pos x="connsiteX187" y="connsiteY187"/>
-              </a:cxn>
-              <a:cxn ang="0">
-                <a:pos x="connsiteX188" y="connsiteY188"/>
-              </a:cxn>
-              <a:cxn ang="0">
-                <a:pos x="connsiteX189" y="connsiteY189"/>
-              </a:cxn>
-              <a:cxn ang="0">
-                <a:pos x="connsiteX190" y="connsiteY190"/>
-              </a:cxn>
-              <a:cxn ang="0">
-                <a:pos x="connsiteX191" y="connsiteY191"/>
-              </a:cxn>
-              <a:cxn ang="0">
-                <a:pos x="connsiteX192" y="connsiteY192"/>
-              </a:cxn>
-              <a:cxn ang="0">
-                <a:pos x="connsiteX193" y="connsiteY193"/>
-              </a:cxn>
-              <a:cxn ang="0">
-                <a:pos x="connsiteX194" y="connsiteY194"/>
-              </a:cxn>
-              <a:cxn ang="0">
-                <a:pos x="connsiteX195" y="connsiteY195"/>
-              </a:cxn>
-              <a:cxn ang="0">
-                <a:pos x="connsiteX196" y="connsiteY196"/>
-              </a:cxn>
-              <a:cxn ang="0">
-                <a:pos x="connsiteX197" y="connsiteY197"/>
-              </a:cxn>
-              <a:cxn ang="0">
-                <a:pos x="connsiteX198" y="connsiteY198"/>
-              </a:cxn>
-              <a:cxn ang="0">
-                <a:pos x="connsiteX199" y="connsiteY199"/>
-              </a:cxn>
-              <a:cxn ang="0">
-                <a:pos x="connsiteX200" y="connsiteY200"/>
-              </a:cxn>
-              <a:cxn ang="0">
-                <a:pos x="connsiteX201" y="connsiteY201"/>
-              </a:cxn>
-              <a:cxn ang="0">
-                <a:pos x="connsiteX202" y="connsiteY202"/>
-              </a:cxn>
-              <a:cxn ang="0">
-                <a:pos x="connsiteX203" y="connsiteY203"/>
-              </a:cxn>
-              <a:cxn ang="0">
-                <a:pos x="connsiteX204" y="connsiteY204"/>
-              </a:cxn>
-              <a:cxn ang="0">
-                <a:pos x="connsiteX205" y="connsiteY205"/>
-              </a:cxn>
-              <a:cxn ang="0">
-                <a:pos x="connsiteX206" y="connsiteY206"/>
-              </a:cxn>
-              <a:cxn ang="0">
-                <a:pos x="connsiteX207" y="connsiteY207"/>
-              </a:cxn>
-              <a:cxn ang="0">
-                <a:pos x="connsiteX208" y="connsiteY208"/>
-              </a:cxn>
-              <a:cxn ang="0">
-                <a:pos x="connsiteX209" y="connsiteY209"/>
-              </a:cxn>
-              <a:cxn ang="0">
-                <a:pos x="connsiteX210" y="connsiteY210"/>
-              </a:cxn>
-              <a:cxn ang="0">
-                <a:pos x="connsiteX211" y="connsiteY211"/>
-              </a:cxn>
-              <a:cxn ang="0">
-                <a:pos x="connsiteX212" y="connsiteY212"/>
-              </a:cxn>
-              <a:cxn ang="0">
-                <a:pos x="connsiteX213" y="connsiteY213"/>
-              </a:cxn>
-              <a:cxn ang="0">
-                <a:pos x="connsiteX214" y="connsiteY214"/>
-              </a:cxn>
-              <a:cxn ang="0">
-                <a:pos x="connsiteX215" y="connsiteY215"/>
-              </a:cxn>
-              <a:cxn ang="0">
-                <a:pos x="connsiteX216" y="connsiteY216"/>
-              </a:cxn>
-              <a:cxn ang="0">
-                <a:pos x="connsiteX217" y="connsiteY217"/>
-              </a:cxn>
-              <a:cxn ang="0">
-                <a:pos x="connsiteX218" y="connsiteY218"/>
-              </a:cxn>
-              <a:cxn ang="0">
-                <a:pos x="connsiteX219" y="connsiteY219"/>
-              </a:cxn>
-              <a:cxn ang="0">
-                <a:pos x="connsiteX220" y="connsiteY220"/>
-              </a:cxn>
-              <a:cxn ang="0">
-                <a:pos x="connsiteX221" y="connsiteY221"/>
-              </a:cxn>
-              <a:cxn ang="0">
-                <a:pos x="connsiteX222" y="connsiteY222"/>
-              </a:cxn>
-              <a:cxn ang="0">
-                <a:pos x="connsiteX223" y="connsiteY223"/>
-              </a:cxn>
-              <a:cxn ang="0">
-                <a:pos x="connsiteX224" y="connsiteY224"/>
-              </a:cxn>
-              <a:cxn ang="0">
-                <a:pos x="connsiteX225" y="connsiteY225"/>
-              </a:cxn>
-              <a:cxn ang="0">
-                <a:pos x="connsiteX226" y="connsiteY226"/>
-              </a:cxn>
-              <a:cxn ang="0">
-                <a:pos x="connsiteX227" y="connsiteY227"/>
-              </a:cxn>
-              <a:cxn ang="0">
-                <a:pos x="connsiteX228" y="connsiteY228"/>
-              </a:cxn>
-              <a:cxn ang="0">
-                <a:pos x="connsiteX229" y="connsiteY229"/>
-              </a:cxn>
-              <a:cxn ang="0">
-                <a:pos x="connsiteX230" y="connsiteY230"/>
-              </a:cxn>
-              <a:cxn ang="0">
-                <a:pos x="connsiteX231" y="connsiteY231"/>
-              </a:cxn>
-              <a:cxn ang="0">
-                <a:pos x="connsiteX232" y="connsiteY232"/>
-              </a:cxn>
-              <a:cxn ang="0">
-                <a:pos x="connsiteX233" y="connsiteY233"/>
-              </a:cxn>
-              <a:cxn ang="0">
-                <a:pos x="connsiteX234" y="connsiteY234"/>
-              </a:cxn>
-              <a:cxn ang="0">
-                <a:pos x="connsiteX235" y="connsiteY235"/>
-              </a:cxn>
-              <a:cxn ang="0">
-                <a:pos x="connsiteX236" y="connsiteY236"/>
-              </a:cxn>
-              <a:cxn ang="0">
-                <a:pos x="connsiteX237" y="connsiteY237"/>
-              </a:cxn>
-              <a:cxn ang="0">
-                <a:pos x="connsiteX238" y="connsiteY238"/>
-              </a:cxn>
-              <a:cxn ang="0">
-                <a:pos x="connsiteX239" y="connsiteY239"/>
-              </a:cxn>
-              <a:cxn ang="0">
-                <a:pos x="connsiteX240" y="connsiteY240"/>
-              </a:cxn>
-              <a:cxn ang="0">
-                <a:pos x="connsiteX241" y="connsiteY241"/>
-              </a:cxn>
-              <a:cxn ang="0">
-                <a:pos x="connsiteX242" y="connsiteY242"/>
-              </a:cxn>
-              <a:cxn ang="0">
-                <a:pos x="connsiteX243" y="connsiteY243"/>
-              </a:cxn>
-              <a:cxn ang="0">
-                <a:pos x="connsiteX244" y="connsiteY244"/>
-              </a:cxn>
-              <a:cxn ang="0">
-                <a:pos x="connsiteX245" y="connsiteY245"/>
-              </a:cxn>
-              <a:cxn ang="0">
-                <a:pos x="connsiteX246" y="connsiteY246"/>
-              </a:cxn>
-              <a:cxn ang="0">
-                <a:pos x="connsiteX247" y="connsiteY247"/>
-              </a:cxn>
-              <a:cxn ang="0">
-                <a:pos x="connsiteX248" y="connsiteY248"/>
-              </a:cxn>
-              <a:cxn ang="0">
-                <a:pos x="connsiteX249" y="connsiteY249"/>
-              </a:cxn>
-              <a:cxn ang="0">
-                <a:pos x="connsiteX250" y="connsiteY250"/>
-              </a:cxn>
-              <a:cxn ang="0">
-                <a:pos x="connsiteX251" y="connsiteY251"/>
-              </a:cxn>
-              <a:cxn ang="0">
-                <a:pos x="connsiteX252" y="connsiteY252"/>
-              </a:cxn>
-              <a:cxn ang="0">
-                <a:pos x="connsiteX253" y="connsiteY253"/>
-              </a:cxn>
-              <a:cxn ang="0">
-                <a:pos x="connsiteX254" y="connsiteY254"/>
-              </a:cxn>
-            </a:cxnLst>
-            <a:rect l="l" t="t" r="r" b="b"/>
-            <a:pathLst>
-              <a:path w="885825" h="12192000">
-                <a:moveTo>
-                  <a:pt x="885825" y="6098626"/>
-                </a:moveTo>
-                <a:lnTo>
-                  <a:pt x="882650" y="6166889"/>
-                </a:lnTo>
-                <a:lnTo>
-                  <a:pt x="876300" y="6227214"/>
-                </a:lnTo>
-                <a:lnTo>
-                  <a:pt x="865188" y="6279601"/>
-                </a:lnTo>
-                <a:lnTo>
-                  <a:pt x="849313" y="6325639"/>
-                </a:lnTo>
-                <a:lnTo>
-                  <a:pt x="833438" y="6366914"/>
-                </a:lnTo>
-                <a:lnTo>
-                  <a:pt x="817563" y="6403426"/>
-                </a:lnTo>
-                <a:lnTo>
-                  <a:pt x="798513" y="6441526"/>
-                </a:lnTo>
-                <a:lnTo>
-                  <a:pt x="779463" y="6479626"/>
-                </a:lnTo>
-                <a:lnTo>
-                  <a:pt x="760413" y="6516139"/>
-                </a:lnTo>
-                <a:lnTo>
-                  <a:pt x="744538" y="6557414"/>
-                </a:lnTo>
-                <a:lnTo>
-                  <a:pt x="730250" y="6603451"/>
-                </a:lnTo>
-                <a:lnTo>
-                  <a:pt x="719138" y="6655839"/>
-                </a:lnTo>
-                <a:lnTo>
-                  <a:pt x="711200" y="6716164"/>
-                </a:lnTo>
-                <a:lnTo>
-                  <a:pt x="709613" y="6784426"/>
-                </a:lnTo>
-                <a:lnTo>
-                  <a:pt x="711200" y="6852689"/>
-                </a:lnTo>
-                <a:lnTo>
-                  <a:pt x="719138" y="6913014"/>
-                </a:lnTo>
-                <a:lnTo>
-                  <a:pt x="730250" y="6965401"/>
-                </a:lnTo>
-                <a:lnTo>
-                  <a:pt x="744538" y="7011439"/>
-                </a:lnTo>
-                <a:lnTo>
-                  <a:pt x="760413" y="7052714"/>
-                </a:lnTo>
-                <a:lnTo>
-                  <a:pt x="779463" y="7089226"/>
-                </a:lnTo>
-                <a:lnTo>
-                  <a:pt x="798513" y="7127326"/>
-                </a:lnTo>
-                <a:lnTo>
-                  <a:pt x="817563" y="7165426"/>
-                </a:lnTo>
-                <a:lnTo>
-                  <a:pt x="833438" y="7201939"/>
-                </a:lnTo>
-                <a:lnTo>
-                  <a:pt x="849313" y="7243214"/>
-                </a:lnTo>
-                <a:lnTo>
-                  <a:pt x="865188" y="7289251"/>
-                </a:lnTo>
-                <a:lnTo>
-                  <a:pt x="876300" y="7341639"/>
-                </a:lnTo>
-                <a:lnTo>
-                  <a:pt x="882650" y="7401964"/>
-                </a:lnTo>
-                <a:lnTo>
-                  <a:pt x="885825" y="7470226"/>
-                </a:lnTo>
-                <a:lnTo>
-                  <a:pt x="882650" y="7538489"/>
-                </a:lnTo>
-                <a:lnTo>
-                  <a:pt x="876300" y="7598814"/>
-                </a:lnTo>
-                <a:lnTo>
-                  <a:pt x="865188" y="7651201"/>
-                </a:lnTo>
-                <a:lnTo>
-                  <a:pt x="849313" y="7697239"/>
-                </a:lnTo>
-                <a:lnTo>
-                  <a:pt x="833438" y="7738514"/>
-                </a:lnTo>
-                <a:lnTo>
-                  <a:pt x="817563" y="7775026"/>
-                </a:lnTo>
-                <a:lnTo>
-                  <a:pt x="798513" y="7813126"/>
-                </a:lnTo>
-                <a:lnTo>
-                  <a:pt x="779463" y="7851226"/>
-                </a:lnTo>
-                <a:lnTo>
-                  <a:pt x="760413" y="7887739"/>
-                </a:lnTo>
-                <a:lnTo>
-                  <a:pt x="744538" y="7929014"/>
-                </a:lnTo>
-                <a:lnTo>
-                  <a:pt x="730250" y="7975051"/>
-                </a:lnTo>
-                <a:lnTo>
-                  <a:pt x="719138" y="8027439"/>
-                </a:lnTo>
-                <a:lnTo>
-                  <a:pt x="711200" y="8087764"/>
-                </a:lnTo>
-                <a:lnTo>
-                  <a:pt x="709613" y="8156026"/>
-                </a:lnTo>
-                <a:lnTo>
-                  <a:pt x="711200" y="8224289"/>
-                </a:lnTo>
-                <a:lnTo>
-                  <a:pt x="719138" y="8284614"/>
-                </a:lnTo>
-                <a:lnTo>
-                  <a:pt x="730250" y="8337001"/>
-                </a:lnTo>
-                <a:lnTo>
-                  <a:pt x="744538" y="8383039"/>
-                </a:lnTo>
-                <a:lnTo>
-                  <a:pt x="760413" y="8424314"/>
-                </a:lnTo>
-                <a:lnTo>
-                  <a:pt x="779463" y="8460826"/>
-                </a:lnTo>
-                <a:lnTo>
-                  <a:pt x="798513" y="8498926"/>
-                </a:lnTo>
-                <a:lnTo>
-                  <a:pt x="817563" y="8537026"/>
-                </a:lnTo>
-                <a:lnTo>
-                  <a:pt x="833438" y="8573540"/>
-                </a:lnTo>
-                <a:lnTo>
-                  <a:pt x="849313" y="8614814"/>
-                </a:lnTo>
-                <a:lnTo>
-                  <a:pt x="865188" y="8660852"/>
-                </a:lnTo>
-                <a:lnTo>
-                  <a:pt x="876300" y="8713240"/>
-                </a:lnTo>
-                <a:lnTo>
-                  <a:pt x="882650" y="8773564"/>
-                </a:lnTo>
-                <a:lnTo>
-                  <a:pt x="885825" y="8840240"/>
-                </a:lnTo>
-                <a:lnTo>
-                  <a:pt x="882650" y="8910090"/>
-                </a:lnTo>
-                <a:lnTo>
-                  <a:pt x="876300" y="8970414"/>
-                </a:lnTo>
-                <a:lnTo>
-                  <a:pt x="865188" y="9022802"/>
-                </a:lnTo>
-                <a:lnTo>
-                  <a:pt x="849313" y="9068840"/>
-                </a:lnTo>
-                <a:lnTo>
-                  <a:pt x="833438" y="9110114"/>
-                </a:lnTo>
-                <a:lnTo>
-                  <a:pt x="817563" y="9146628"/>
-                </a:lnTo>
-                <a:lnTo>
-                  <a:pt x="798513" y="9184728"/>
-                </a:lnTo>
-                <a:lnTo>
-                  <a:pt x="779463" y="9222828"/>
-                </a:lnTo>
-                <a:lnTo>
-                  <a:pt x="760413" y="9259340"/>
-                </a:lnTo>
-                <a:lnTo>
-                  <a:pt x="744538" y="9300614"/>
-                </a:lnTo>
-                <a:lnTo>
-                  <a:pt x="730250" y="9346652"/>
-                </a:lnTo>
-                <a:lnTo>
-                  <a:pt x="719138" y="9399040"/>
-                </a:lnTo>
-                <a:lnTo>
-                  <a:pt x="711200" y="9459364"/>
-                </a:lnTo>
-                <a:lnTo>
-                  <a:pt x="709613" y="9527628"/>
-                </a:lnTo>
-                <a:lnTo>
-                  <a:pt x="711200" y="9595890"/>
-                </a:lnTo>
-                <a:lnTo>
-                  <a:pt x="719138" y="9656214"/>
-                </a:lnTo>
-                <a:lnTo>
-                  <a:pt x="730250" y="9708602"/>
-                </a:lnTo>
-                <a:lnTo>
-                  <a:pt x="744538" y="9754640"/>
-                </a:lnTo>
-                <a:lnTo>
-                  <a:pt x="760413" y="9795914"/>
-                </a:lnTo>
-                <a:lnTo>
-                  <a:pt x="779463" y="9832428"/>
-                </a:lnTo>
-                <a:lnTo>
-                  <a:pt x="817563" y="9908628"/>
-                </a:lnTo>
-                <a:lnTo>
-                  <a:pt x="833438" y="9945140"/>
-                </a:lnTo>
-                <a:lnTo>
-                  <a:pt x="849313" y="9986414"/>
-                </a:lnTo>
-                <a:lnTo>
-                  <a:pt x="865188" y="10032452"/>
-                </a:lnTo>
-                <a:lnTo>
-                  <a:pt x="876300" y="10084840"/>
-                </a:lnTo>
-                <a:lnTo>
-                  <a:pt x="882650" y="10145164"/>
-                </a:lnTo>
-                <a:lnTo>
-                  <a:pt x="885825" y="10213428"/>
-                </a:lnTo>
-                <a:lnTo>
-                  <a:pt x="882650" y="10281690"/>
-                </a:lnTo>
-                <a:lnTo>
-                  <a:pt x="876300" y="10342014"/>
-                </a:lnTo>
-                <a:lnTo>
-                  <a:pt x="865188" y="10394402"/>
-                </a:lnTo>
-                <a:lnTo>
-                  <a:pt x="849313" y="10440440"/>
-                </a:lnTo>
-                <a:lnTo>
-                  <a:pt x="833438" y="10481714"/>
-                </a:lnTo>
-                <a:lnTo>
-                  <a:pt x="817563" y="10518228"/>
-                </a:lnTo>
-                <a:lnTo>
-                  <a:pt x="798513" y="10556328"/>
-                </a:lnTo>
-                <a:lnTo>
-                  <a:pt x="779463" y="10594428"/>
-                </a:lnTo>
-                <a:lnTo>
-                  <a:pt x="760413" y="10630940"/>
-                </a:lnTo>
-                <a:lnTo>
-                  <a:pt x="744538" y="10672214"/>
-                </a:lnTo>
-                <a:lnTo>
-                  <a:pt x="730250" y="10718252"/>
-                </a:lnTo>
-                <a:lnTo>
-                  <a:pt x="719138" y="10770640"/>
-                </a:lnTo>
-                <a:lnTo>
-                  <a:pt x="711200" y="10830964"/>
-                </a:lnTo>
-                <a:lnTo>
-                  <a:pt x="709613" y="10899228"/>
-                </a:lnTo>
-                <a:lnTo>
-                  <a:pt x="711200" y="10967490"/>
-                </a:lnTo>
-                <a:lnTo>
-                  <a:pt x="719138" y="11027814"/>
-                </a:lnTo>
-                <a:lnTo>
-                  <a:pt x="730250" y="11080202"/>
-                </a:lnTo>
-                <a:lnTo>
-                  <a:pt x="744538" y="11126240"/>
-                </a:lnTo>
-                <a:lnTo>
-                  <a:pt x="760413" y="11167514"/>
-                </a:lnTo>
-                <a:lnTo>
-                  <a:pt x="779463" y="11204028"/>
-                </a:lnTo>
-                <a:lnTo>
-                  <a:pt x="798513" y="11242128"/>
-                </a:lnTo>
-                <a:lnTo>
-                  <a:pt x="817563" y="11280228"/>
-                </a:lnTo>
-                <a:lnTo>
-                  <a:pt x="833438" y="11316740"/>
-                </a:lnTo>
-                <a:lnTo>
-                  <a:pt x="849313" y="11358014"/>
-                </a:lnTo>
-                <a:lnTo>
-                  <a:pt x="865188" y="11404052"/>
-                </a:lnTo>
-                <a:lnTo>
-                  <a:pt x="876300" y="11456440"/>
-                </a:lnTo>
-                <a:lnTo>
-                  <a:pt x="882650" y="11516764"/>
-                </a:lnTo>
-                <a:lnTo>
-                  <a:pt x="885825" y="11585028"/>
-                </a:lnTo>
-                <a:lnTo>
-                  <a:pt x="882650" y="11653290"/>
-                </a:lnTo>
-                <a:lnTo>
-                  <a:pt x="876300" y="11713614"/>
-                </a:lnTo>
-                <a:lnTo>
-                  <a:pt x="865188" y="11766002"/>
-                </a:lnTo>
-                <a:lnTo>
-                  <a:pt x="849313" y="11812040"/>
-                </a:lnTo>
-                <a:lnTo>
-                  <a:pt x="833438" y="11853314"/>
-                </a:lnTo>
-                <a:lnTo>
-                  <a:pt x="817563" y="11889828"/>
-                </a:lnTo>
-                <a:lnTo>
-                  <a:pt x="798513" y="11927928"/>
-                </a:lnTo>
-                <a:lnTo>
-                  <a:pt x="779463" y="11966028"/>
-                </a:lnTo>
-                <a:lnTo>
-                  <a:pt x="760413" y="12002540"/>
-                </a:lnTo>
-                <a:lnTo>
-                  <a:pt x="744538" y="12043814"/>
-                </a:lnTo>
-                <a:lnTo>
-                  <a:pt x="730250" y="12089852"/>
-                </a:lnTo>
-                <a:lnTo>
-                  <a:pt x="719138" y="12142240"/>
-                </a:lnTo>
-                <a:lnTo>
-                  <a:pt x="712590" y="12192000"/>
-                </a:lnTo>
-                <a:lnTo>
-                  <a:pt x="0" y="12192000"/>
-                </a:lnTo>
-                <a:lnTo>
-                  <a:pt x="0" y="6779170"/>
-                </a:lnTo>
-                <a:lnTo>
-                  <a:pt x="0" y="6779170"/>
-                </a:lnTo>
-                <a:lnTo>
-                  <a:pt x="0" y="0"/>
-                </a:lnTo>
-                <a:lnTo>
-                  <a:pt x="712590" y="0"/>
-                </a:lnTo>
-                <a:lnTo>
-                  <a:pt x="719137" y="49758"/>
-                </a:lnTo>
-                <a:lnTo>
-                  <a:pt x="730249" y="102145"/>
-                </a:lnTo>
-                <a:lnTo>
-                  <a:pt x="744537" y="148183"/>
-                </a:lnTo>
-                <a:lnTo>
-                  <a:pt x="760412" y="189458"/>
-                </a:lnTo>
-                <a:lnTo>
-                  <a:pt x="779462" y="225970"/>
-                </a:lnTo>
-                <a:lnTo>
-                  <a:pt x="798512" y="264070"/>
-                </a:lnTo>
-                <a:lnTo>
-                  <a:pt x="817562" y="302170"/>
-                </a:lnTo>
-                <a:lnTo>
-                  <a:pt x="833437" y="338683"/>
-                </a:lnTo>
-                <a:lnTo>
-                  <a:pt x="849312" y="379958"/>
-                </a:lnTo>
-                <a:lnTo>
-                  <a:pt x="865187" y="425995"/>
-                </a:lnTo>
-                <a:lnTo>
-                  <a:pt x="876299" y="478383"/>
-                </a:lnTo>
-                <a:lnTo>
-                  <a:pt x="882649" y="538708"/>
-                </a:lnTo>
-                <a:lnTo>
-                  <a:pt x="885824" y="606970"/>
-                </a:lnTo>
-                <a:lnTo>
-                  <a:pt x="882649" y="675233"/>
-                </a:lnTo>
-                <a:lnTo>
-                  <a:pt x="876299" y="735558"/>
-                </a:lnTo>
-                <a:lnTo>
-                  <a:pt x="865187" y="787945"/>
-                </a:lnTo>
-                <a:lnTo>
-                  <a:pt x="849312" y="833983"/>
-                </a:lnTo>
-                <a:lnTo>
-                  <a:pt x="833437" y="875258"/>
-                </a:lnTo>
-                <a:lnTo>
-                  <a:pt x="817562" y="911770"/>
-                </a:lnTo>
-                <a:lnTo>
-                  <a:pt x="798512" y="949870"/>
-                </a:lnTo>
-                <a:lnTo>
-                  <a:pt x="779462" y="987970"/>
-                </a:lnTo>
-                <a:lnTo>
-                  <a:pt x="760412" y="1024483"/>
-                </a:lnTo>
-                <a:lnTo>
-                  <a:pt x="744537" y="1065758"/>
-                </a:lnTo>
-                <a:lnTo>
-                  <a:pt x="730249" y="1111795"/>
-                </a:lnTo>
-                <a:lnTo>
-                  <a:pt x="719137" y="1164183"/>
-                </a:lnTo>
-                <a:lnTo>
-                  <a:pt x="711199" y="1224508"/>
-                </a:lnTo>
-                <a:lnTo>
-                  <a:pt x="709612" y="1292770"/>
-                </a:lnTo>
-                <a:lnTo>
-                  <a:pt x="711199" y="1361033"/>
-                </a:lnTo>
-                <a:lnTo>
-                  <a:pt x="719137" y="1421358"/>
-                </a:lnTo>
-                <a:lnTo>
-                  <a:pt x="730249" y="1473745"/>
-                </a:lnTo>
-                <a:lnTo>
-                  <a:pt x="744537" y="1519783"/>
-                </a:lnTo>
-                <a:lnTo>
-                  <a:pt x="760412" y="1561058"/>
-                </a:lnTo>
-                <a:lnTo>
-                  <a:pt x="779462" y="1597570"/>
-                </a:lnTo>
-                <a:lnTo>
-                  <a:pt x="798512" y="1635670"/>
-                </a:lnTo>
-                <a:lnTo>
-                  <a:pt x="817562" y="1673770"/>
-                </a:lnTo>
-                <a:lnTo>
-                  <a:pt x="833437" y="1710283"/>
-                </a:lnTo>
-                <a:lnTo>
-                  <a:pt x="849312" y="1751558"/>
-                </a:lnTo>
-                <a:lnTo>
-                  <a:pt x="865187" y="1797595"/>
-                </a:lnTo>
-                <a:lnTo>
-                  <a:pt x="876299" y="1849983"/>
-                </a:lnTo>
-                <a:lnTo>
-                  <a:pt x="882649" y="1910308"/>
-                </a:lnTo>
-                <a:lnTo>
-                  <a:pt x="885824" y="1978570"/>
-                </a:lnTo>
-                <a:lnTo>
-                  <a:pt x="882649" y="2046833"/>
-                </a:lnTo>
-                <a:lnTo>
-                  <a:pt x="876299" y="2107158"/>
-                </a:lnTo>
-                <a:lnTo>
-                  <a:pt x="865187" y="2159545"/>
-                </a:lnTo>
-                <a:lnTo>
-                  <a:pt x="849312" y="2205583"/>
-                </a:lnTo>
-                <a:lnTo>
-                  <a:pt x="833437" y="2246858"/>
-                </a:lnTo>
-                <a:lnTo>
-                  <a:pt x="817562" y="2283370"/>
-                </a:lnTo>
-                <a:lnTo>
-                  <a:pt x="798512" y="2321470"/>
-                </a:lnTo>
-                <a:lnTo>
-                  <a:pt x="779462" y="2359570"/>
-                </a:lnTo>
-                <a:lnTo>
-                  <a:pt x="760412" y="2396083"/>
-                </a:lnTo>
-                <a:lnTo>
-                  <a:pt x="744537" y="2437358"/>
-                </a:lnTo>
-                <a:lnTo>
-                  <a:pt x="730249" y="2483395"/>
-                </a:lnTo>
-                <a:lnTo>
-                  <a:pt x="719137" y="2535782"/>
-                </a:lnTo>
-                <a:lnTo>
-                  <a:pt x="711199" y="2596108"/>
-                </a:lnTo>
-                <a:lnTo>
-                  <a:pt x="709612" y="2664370"/>
-                </a:lnTo>
-                <a:lnTo>
-                  <a:pt x="711199" y="2732633"/>
-                </a:lnTo>
-                <a:lnTo>
-                  <a:pt x="719137" y="2792958"/>
-                </a:lnTo>
-                <a:lnTo>
-                  <a:pt x="730249" y="2845345"/>
-                </a:lnTo>
-                <a:lnTo>
-                  <a:pt x="744537" y="2891383"/>
-                </a:lnTo>
-                <a:lnTo>
-                  <a:pt x="760412" y="2932658"/>
-                </a:lnTo>
-                <a:lnTo>
-                  <a:pt x="779462" y="2969170"/>
-                </a:lnTo>
-                <a:lnTo>
-                  <a:pt x="798512" y="3007270"/>
-                </a:lnTo>
-                <a:lnTo>
-                  <a:pt x="817562" y="3045370"/>
-                </a:lnTo>
-                <a:lnTo>
-                  <a:pt x="833437" y="3081883"/>
-                </a:lnTo>
-                <a:lnTo>
-                  <a:pt x="849312" y="3123158"/>
-                </a:lnTo>
-                <a:lnTo>
-                  <a:pt x="865187" y="3169195"/>
-                </a:lnTo>
-                <a:lnTo>
-                  <a:pt x="876299" y="3221583"/>
-                </a:lnTo>
-                <a:lnTo>
-                  <a:pt x="882649" y="3281908"/>
-                </a:lnTo>
-                <a:lnTo>
-                  <a:pt x="885824" y="3348582"/>
-                </a:lnTo>
-                <a:lnTo>
-                  <a:pt x="882649" y="3418433"/>
-                </a:lnTo>
-                <a:lnTo>
-                  <a:pt x="876299" y="3478758"/>
-                </a:lnTo>
-                <a:lnTo>
-                  <a:pt x="865187" y="3531145"/>
-                </a:lnTo>
-                <a:lnTo>
-                  <a:pt x="849312" y="3577183"/>
-                </a:lnTo>
-                <a:lnTo>
-                  <a:pt x="833437" y="3618458"/>
-                </a:lnTo>
-                <a:lnTo>
-                  <a:pt x="817562" y="3654970"/>
-                </a:lnTo>
-                <a:lnTo>
-                  <a:pt x="798512" y="3693070"/>
-                </a:lnTo>
-                <a:lnTo>
-                  <a:pt x="779462" y="3731170"/>
-                </a:lnTo>
-                <a:lnTo>
-                  <a:pt x="760412" y="3767683"/>
-                </a:lnTo>
-                <a:lnTo>
-                  <a:pt x="744537" y="3808958"/>
-                </a:lnTo>
-                <a:lnTo>
-                  <a:pt x="730249" y="3854995"/>
-                </a:lnTo>
-                <a:lnTo>
-                  <a:pt x="719137" y="3907383"/>
-                </a:lnTo>
-                <a:lnTo>
-                  <a:pt x="711199" y="3967708"/>
-                </a:lnTo>
-                <a:lnTo>
-                  <a:pt x="709612" y="4035970"/>
-                </a:lnTo>
-                <a:lnTo>
-                  <a:pt x="711199" y="4104233"/>
-                </a:lnTo>
-                <a:lnTo>
-                  <a:pt x="719137" y="4164557"/>
-                </a:lnTo>
-                <a:lnTo>
-                  <a:pt x="730249" y="4216946"/>
-                </a:lnTo>
-                <a:lnTo>
-                  <a:pt x="744537" y="4262982"/>
-                </a:lnTo>
-                <a:lnTo>
-                  <a:pt x="760412" y="4304258"/>
-                </a:lnTo>
-                <a:lnTo>
-                  <a:pt x="779462" y="4340770"/>
-                </a:lnTo>
-                <a:lnTo>
-                  <a:pt x="817562" y="4416970"/>
-                </a:lnTo>
-                <a:lnTo>
-                  <a:pt x="833437" y="4453483"/>
-                </a:lnTo>
-                <a:lnTo>
-                  <a:pt x="849312" y="4494758"/>
-                </a:lnTo>
-                <a:lnTo>
-                  <a:pt x="865187" y="4540795"/>
-                </a:lnTo>
-                <a:lnTo>
-                  <a:pt x="876299" y="4593183"/>
-                </a:lnTo>
-                <a:lnTo>
-                  <a:pt x="882649" y="4653508"/>
-                </a:lnTo>
-                <a:lnTo>
-                  <a:pt x="885824" y="4721770"/>
-                </a:lnTo>
-                <a:lnTo>
-                  <a:pt x="882649" y="4790033"/>
-                </a:lnTo>
-                <a:lnTo>
-                  <a:pt x="876299" y="4850357"/>
-                </a:lnTo>
-                <a:lnTo>
-                  <a:pt x="865187" y="4902746"/>
-                </a:lnTo>
-                <a:lnTo>
-                  <a:pt x="849312" y="4948782"/>
-                </a:lnTo>
-                <a:lnTo>
-                  <a:pt x="833437" y="4990057"/>
-                </a:lnTo>
-                <a:lnTo>
-                  <a:pt x="817562" y="5026570"/>
-                </a:lnTo>
-                <a:lnTo>
-                  <a:pt x="798512" y="5064670"/>
-                </a:lnTo>
-                <a:lnTo>
-                  <a:pt x="779462" y="5102770"/>
-                </a:lnTo>
-                <a:lnTo>
-                  <a:pt x="760412" y="5139283"/>
-                </a:lnTo>
-                <a:lnTo>
-                  <a:pt x="744537" y="5180558"/>
-                </a:lnTo>
-                <a:lnTo>
-                  <a:pt x="730249" y="5226595"/>
-                </a:lnTo>
-                <a:lnTo>
-                  <a:pt x="719137" y="5278983"/>
-                </a:lnTo>
-                <a:lnTo>
-                  <a:pt x="711199" y="5339307"/>
-                </a:lnTo>
-                <a:lnTo>
-                  <a:pt x="709612" y="5407570"/>
-                </a:lnTo>
-                <a:lnTo>
-                  <a:pt x="711199" y="5475833"/>
-                </a:lnTo>
-                <a:lnTo>
-                  <a:pt x="719137" y="5536158"/>
-                </a:lnTo>
-                <a:lnTo>
-                  <a:pt x="730249" y="5588545"/>
-                </a:lnTo>
-                <a:lnTo>
-                  <a:pt x="744537" y="5634583"/>
-                </a:lnTo>
-                <a:lnTo>
-                  <a:pt x="760412" y="5675858"/>
-                </a:lnTo>
-                <a:lnTo>
-                  <a:pt x="779462" y="5712371"/>
-                </a:lnTo>
-                <a:lnTo>
-                  <a:pt x="798512" y="5750471"/>
-                </a:lnTo>
-                <a:lnTo>
-                  <a:pt x="817562" y="5788571"/>
-                </a:lnTo>
-                <a:lnTo>
-                  <a:pt x="833437" y="5825083"/>
-                </a:lnTo>
-                <a:lnTo>
-                  <a:pt x="849312" y="5866358"/>
-                </a:lnTo>
-                <a:lnTo>
-                  <a:pt x="865187" y="5912395"/>
-                </a:lnTo>
-                <a:lnTo>
-                  <a:pt x="876299" y="5964783"/>
-                </a:lnTo>
-                <a:lnTo>
-                  <a:pt x="882649" y="6025108"/>
-                </a:lnTo>
-                <a:lnTo>
-                  <a:pt x="885824" y="6093370"/>
-                </a:lnTo>
-                <a:lnTo>
-                  <a:pt x="885703" y="6095988"/>
-                </a:lnTo>
-                <a:close/>
-              </a:path>
-            </a:pathLst>
-          </a:custGeom>
-          <a:solidFill>
-            <a:schemeClr val="tx2"/>
-          </a:solidFill>
-          <a:ln w="0">
-            <a:noFill/>
-            <a:prstDash val="solid"/>
-            <a:round/>
-            <a:headEnd/>
-            <a:tailEnd/>
-          </a:ln>
-        </p:spPr>
-        <p:txBody>
-          <a:bodyPr/>
-          <a:lstStyle/>
-          <a:p>
-            <a:endParaRPr lang="nl-NL"/>
-          </a:p>
-        </p:txBody>
-      </p:sp>
-      <p:pic>
-        <p:nvPicPr>
-          <p:cNvPr id="7" name="Afbeelding 6" descr="Afbeelding met schermopname, tekst, diagram, Rechthoek&#10;&#10;Door AI gegenereerde inhoud is mogelijk onjuist.">
-            <a:extLst>
-              <a:ext uri="{FF2B5EF4-FFF2-40B4-BE49-F238E27FC236}">
-                <a16:creationId xmlns:a16="http://schemas.microsoft.com/office/drawing/2014/main" id="{CC821936-1E7C-4D9C-0DA9-6F282B2BF9BB}"/>
-              </a:ext>
-            </a:extLst>
-          </p:cNvPr>
-          <p:cNvPicPr>
-            <a:picLocks noChangeAspect="1"/>
-          </p:cNvPicPr>
-          <p:nvPr/>
-        </p:nvPicPr>
-        <p:blipFill>
-          <a:blip r:embed="rId3"/>
-          <a:stretch>
-            <a:fillRect/>
-          </a:stretch>
-        </p:blipFill>
-        <p:spPr>
-          <a:xfrm>
-            <a:off x="7979288" y="738554"/>
-            <a:ext cx="2599055" cy="4288155"/>
-          </a:xfrm>
-          <a:prstGeom prst="rect">
-            <a:avLst/>
-          </a:prstGeom>
-        </p:spPr>
-      </p:pic>
     </p:spTree>
     <p:extLst>
       <p:ext uri="{BB962C8B-B14F-4D97-AF65-F5344CB8AC3E}">
-        <p14:creationId xmlns:p14="http://schemas.microsoft.com/office/powerpoint/2010/main" val="2999880080"/>
+        <p14:creationId xmlns:p14="http://schemas.microsoft.com/office/powerpoint/2010/main" val="479111447"/>
       </p:ext>
     </p:extLst>
   </p:cSld>
@@ -10662,7 +8200,179 @@
 </p:sld>
 </file>
 
-<file path=ppt/slides/slide6.xml><?xml version="1.0" encoding="utf-8"?>
+<file path=ppt/slides/slide7.xml><?xml version="1.0" encoding="utf-8"?>
+<p:sld xmlns:a="http://schemas.openxmlformats.org/drawingml/2006/main" xmlns:r="http://schemas.openxmlformats.org/officeDocument/2006/relationships" xmlns:p="http://schemas.openxmlformats.org/presentationml/2006/main">
+  <p:cSld>
+    <p:spTree>
+      <p:nvGrpSpPr>
+        <p:cNvPr id="1" name=""/>
+        <p:cNvGrpSpPr/>
+        <p:nvPr/>
+      </p:nvGrpSpPr>
+      <p:grpSpPr>
+        <a:xfrm>
+          <a:off x="0" y="0"/>
+          <a:ext cx="0" cy="0"/>
+          <a:chOff x="0" y="0"/>
+          <a:chExt cx="0" cy="0"/>
+        </a:xfrm>
+      </p:grpSpPr>
+      <p:sp>
+        <p:nvSpPr>
+          <p:cNvPr id="2" name="Titel 1">
+            <a:extLst>
+              <a:ext uri="{FF2B5EF4-FFF2-40B4-BE49-F238E27FC236}">
+                <a16:creationId xmlns:a16="http://schemas.microsoft.com/office/drawing/2014/main" id="{3852FBD2-9BDF-A73C-AD8B-96FB638CE657}"/>
+              </a:ext>
+            </a:extLst>
+          </p:cNvPr>
+          <p:cNvSpPr>
+            <a:spLocks noGrp="1"/>
+          </p:cNvSpPr>
+          <p:nvPr>
+            <p:ph type="title"/>
+          </p:nvPr>
+        </p:nvSpPr>
+        <p:spPr/>
+        <p:txBody>
+          <a:bodyPr/>
+          <a:lstStyle/>
+          <a:p>
+            <a:r>
+              <a:rPr lang="nl-NL" dirty="0"/>
+              <a:t>later.</a:t>
+            </a:r>
+          </a:p>
+        </p:txBody>
+      </p:sp>
+      <p:sp>
+        <p:nvSpPr>
+          <p:cNvPr id="3" name="Tijdelijke aanduiding voor inhoud 2">
+            <a:extLst>
+              <a:ext uri="{FF2B5EF4-FFF2-40B4-BE49-F238E27FC236}">
+                <a16:creationId xmlns:a16="http://schemas.microsoft.com/office/drawing/2014/main" id="{0323E64C-A745-98DA-6986-4BEDE6C3BA10}"/>
+              </a:ext>
+            </a:extLst>
+          </p:cNvPr>
+          <p:cNvSpPr>
+            <a:spLocks noGrp="1"/>
+          </p:cNvSpPr>
+          <p:nvPr>
+            <p:ph idx="1"/>
+          </p:nvPr>
+        </p:nvSpPr>
+        <p:spPr/>
+        <p:txBody>
+          <a:bodyPr/>
+          <a:lstStyle/>
+          <a:p>
+            <a:pPr marL="0" indent="0">
+              <a:buNone/>
+            </a:pPr>
+            <a:r>
+              <a:rPr lang="nl-NL" b="1" dirty="0">
+                <a:solidFill>
+                  <a:schemeClr val="tx1"/>
+                </a:solidFill>
+              </a:rPr>
+              <a:t>Een geheel maken</a:t>
+            </a:r>
+            <a:r>
+              <a:rPr lang="nl-NL" b="1" dirty="0"/>
+              <a:t>. </a:t>
+            </a:r>
+            <a:r>
+              <a:rPr lang="nl-NL" b="1" dirty="0" err="1">
+                <a:solidFill>
+                  <a:schemeClr val="accent1"/>
+                </a:solidFill>
+              </a:rPr>
+              <a:t>Back-end</a:t>
+            </a:r>
+            <a:r>
+              <a:rPr lang="nl-NL" b="1" dirty="0">
+                <a:solidFill>
+                  <a:schemeClr val="accent1"/>
+                </a:solidFill>
+              </a:rPr>
+              <a:t> + </a:t>
+            </a:r>
+            <a:r>
+              <a:rPr lang="nl-NL" b="1" dirty="0" err="1">
+                <a:solidFill>
+                  <a:schemeClr val="accent1"/>
+                </a:solidFill>
+              </a:rPr>
+              <a:t>Frond</a:t>
+            </a:r>
+            <a:r>
+              <a:rPr lang="nl-NL" b="1" dirty="0">
+                <a:solidFill>
+                  <a:schemeClr val="accent1"/>
+                </a:solidFill>
+              </a:rPr>
+              <a:t>-end</a:t>
+            </a:r>
+          </a:p>
+          <a:p>
+            <a:pPr marL="0" indent="0">
+              <a:buNone/>
+            </a:pPr>
+            <a:endParaRPr lang="nl-NL" b="1" dirty="0">
+              <a:solidFill>
+                <a:schemeClr val="accent1"/>
+              </a:solidFill>
+            </a:endParaRPr>
+          </a:p>
+          <a:p>
+            <a:pPr marL="0" indent="0">
+              <a:buNone/>
+            </a:pPr>
+            <a:r>
+              <a:rPr lang="nl-NL" b="1" dirty="0" err="1">
+                <a:solidFill>
+                  <a:schemeClr val="tx1"/>
+                </a:solidFill>
+              </a:rPr>
+              <a:t>Arduino</a:t>
+            </a:r>
+            <a:r>
+              <a:rPr lang="nl-NL" b="1" dirty="0">
+                <a:solidFill>
+                  <a:schemeClr val="tx1"/>
+                </a:solidFill>
+              </a:rPr>
+              <a:t> zou doorgezet kunnen worden naar een scherm. </a:t>
+            </a:r>
+          </a:p>
+          <a:p>
+            <a:pPr marL="0" indent="0">
+              <a:buNone/>
+            </a:pPr>
+            <a:endParaRPr lang="nl-NL" b="1" dirty="0"/>
+          </a:p>
+          <a:p>
+            <a:pPr marL="0" indent="0">
+              <a:buNone/>
+            </a:pPr>
+            <a:endParaRPr lang="nl-NL" b="1" dirty="0"/>
+          </a:p>
+        </p:txBody>
+      </p:sp>
+    </p:spTree>
+    <p:extLst>
+      <p:ext uri="{BB962C8B-B14F-4D97-AF65-F5344CB8AC3E}">
+        <p14:creationId xmlns:p14="http://schemas.microsoft.com/office/powerpoint/2010/main" val="1183582914"/>
+      </p:ext>
+    </p:extLst>
+  </p:cSld>
+  <p:clrMapOvr>
+    <a:masterClrMapping/>
+  </p:clrMapOvr>
+</p:sld>
+</file>
+
+<file path=ppt/slides/slide8.xml><?xml version="1.0" encoding="utf-8"?>
 <p:sld xmlns:a="http://schemas.openxmlformats.org/drawingml/2006/main" xmlns:r="http://schemas.openxmlformats.org/officeDocument/2006/relationships" xmlns:p="http://schemas.openxmlformats.org/presentationml/2006/main">
   <p:cSld>
     <p:spTree>
@@ -10728,7 +8438,7 @@
 </p:sld>
 </file>
 
-<file path=ppt/slides/slide7.xml><?xml version="1.0" encoding="utf-8"?>
+<file path=ppt/slides/slide9.xml><?xml version="1.0" encoding="utf-8"?>
 <p:sld xmlns:a="http://schemas.openxmlformats.org/drawingml/2006/main" xmlns:r="http://schemas.openxmlformats.org/officeDocument/2006/relationships" xmlns:p="http://schemas.openxmlformats.org/presentationml/2006/main">
   <p:cSld>
     <p:spTree>
@@ -10815,199 +8525,6 @@
     <p:extLst>
       <p:ext uri="{BB962C8B-B14F-4D97-AF65-F5344CB8AC3E}">
         <p14:creationId xmlns:p14="http://schemas.microsoft.com/office/powerpoint/2010/main" val="1761028159"/>
-      </p:ext>
-    </p:extLst>
-  </p:cSld>
-  <p:clrMapOvr>
-    <a:masterClrMapping/>
-  </p:clrMapOvr>
-</p:sld>
-</file>
-
-<file path=ppt/slides/slide8.xml><?xml version="1.0" encoding="utf-8"?>
-<p:sld xmlns:a="http://schemas.openxmlformats.org/drawingml/2006/main" xmlns:r="http://schemas.openxmlformats.org/officeDocument/2006/relationships" xmlns:p="http://schemas.openxmlformats.org/presentationml/2006/main">
-  <p:cSld>
-    <p:spTree>
-      <p:nvGrpSpPr>
-        <p:cNvPr id="1" name=""/>
-        <p:cNvGrpSpPr/>
-        <p:nvPr/>
-      </p:nvGrpSpPr>
-      <p:grpSpPr>
-        <a:xfrm>
-          <a:off x="0" y="0"/>
-          <a:ext cx="0" cy="0"/>
-          <a:chOff x="0" y="0"/>
-          <a:chExt cx="0" cy="0"/>
-        </a:xfrm>
-      </p:grpSpPr>
-      <p:sp>
-        <p:nvSpPr>
-          <p:cNvPr id="2" name="Titel 1">
-            <a:extLst>
-              <a:ext uri="{FF2B5EF4-FFF2-40B4-BE49-F238E27FC236}">
-                <a16:creationId xmlns:a16="http://schemas.microsoft.com/office/drawing/2014/main" id="{3852FBD2-9BDF-A73C-AD8B-96FB638CE657}"/>
-              </a:ext>
-            </a:extLst>
-          </p:cNvPr>
-          <p:cNvSpPr>
-            <a:spLocks noGrp="1"/>
-          </p:cNvSpPr>
-          <p:nvPr>
-            <p:ph type="title"/>
-          </p:nvPr>
-        </p:nvSpPr>
-        <p:spPr/>
-        <p:txBody>
-          <a:bodyPr/>
-          <a:lstStyle/>
-          <a:p>
-            <a:r>
-              <a:rPr lang="nl-NL" dirty="0"/>
-              <a:t>later.</a:t>
-            </a:r>
-          </a:p>
-        </p:txBody>
-      </p:sp>
-      <p:sp>
-        <p:nvSpPr>
-          <p:cNvPr id="3" name="Tijdelijke aanduiding voor inhoud 2">
-            <a:extLst>
-              <a:ext uri="{FF2B5EF4-FFF2-40B4-BE49-F238E27FC236}">
-                <a16:creationId xmlns:a16="http://schemas.microsoft.com/office/drawing/2014/main" id="{0323E64C-A745-98DA-6986-4BEDE6C3BA10}"/>
-              </a:ext>
-            </a:extLst>
-          </p:cNvPr>
-          <p:cNvSpPr>
-            <a:spLocks noGrp="1"/>
-          </p:cNvSpPr>
-          <p:nvPr>
-            <p:ph idx="1"/>
-          </p:nvPr>
-        </p:nvSpPr>
-        <p:spPr/>
-        <p:txBody>
-          <a:bodyPr/>
-          <a:lstStyle/>
-          <a:p>
-            <a:pPr marL="0" indent="0">
-              <a:buNone/>
-            </a:pPr>
-            <a:r>
-              <a:rPr lang="nl-NL" b="1" dirty="0"/>
-              <a:t>Front end koppelen aan de website</a:t>
-            </a:r>
-          </a:p>
-          <a:p>
-            <a:pPr marL="0" indent="0">
-              <a:buNone/>
-            </a:pPr>
-            <a:endParaRPr lang="nl-NL" b="1" dirty="0"/>
-          </a:p>
-          <a:p>
-            <a:pPr marL="0" indent="0">
-              <a:buNone/>
-            </a:pPr>
-            <a:endParaRPr lang="nl-NL" b="1" dirty="0"/>
-          </a:p>
-        </p:txBody>
-      </p:sp>
-    </p:spTree>
-    <p:extLst>
-      <p:ext uri="{BB962C8B-B14F-4D97-AF65-F5344CB8AC3E}">
-        <p14:creationId xmlns:p14="http://schemas.microsoft.com/office/powerpoint/2010/main" val="1183582914"/>
-      </p:ext>
-    </p:extLst>
-  </p:cSld>
-  <p:clrMapOvr>
-    <a:masterClrMapping/>
-  </p:clrMapOvr>
-</p:sld>
-</file>
-
-<file path=ppt/slides/slide9.xml><?xml version="1.0" encoding="utf-8"?>
-<p:sld xmlns:a="http://schemas.openxmlformats.org/drawingml/2006/main" xmlns:r="http://schemas.openxmlformats.org/officeDocument/2006/relationships" xmlns:p="http://schemas.openxmlformats.org/presentationml/2006/main">
-  <p:cSld>
-    <p:spTree>
-      <p:nvGrpSpPr>
-        <p:cNvPr id="1" name="">
-          <a:extLst>
-            <a:ext uri="{FF2B5EF4-FFF2-40B4-BE49-F238E27FC236}">
-              <a16:creationId xmlns:a16="http://schemas.microsoft.com/office/drawing/2014/main" id="{C4ED822E-7B3F-5F92-4E5D-65E36D3D65EB}"/>
-            </a:ext>
-          </a:extLst>
-        </p:cNvPr>
-        <p:cNvGrpSpPr/>
-        <p:nvPr/>
-      </p:nvGrpSpPr>
-      <p:grpSpPr>
-        <a:xfrm>
-          <a:off x="0" y="0"/>
-          <a:ext cx="0" cy="0"/>
-          <a:chOff x="0" y="0"/>
-          <a:chExt cx="0" cy="0"/>
-        </a:xfrm>
-      </p:grpSpPr>
-      <p:sp>
-        <p:nvSpPr>
-          <p:cNvPr id="2" name="Titel 1">
-            <a:extLst>
-              <a:ext uri="{FF2B5EF4-FFF2-40B4-BE49-F238E27FC236}">
-                <a16:creationId xmlns:a16="http://schemas.microsoft.com/office/drawing/2014/main" id="{5BF7AB01-95A0-4B3C-3860-0B8CE4C1B758}"/>
-              </a:ext>
-            </a:extLst>
-          </p:cNvPr>
-          <p:cNvSpPr>
-            <a:spLocks noGrp="1"/>
-          </p:cNvSpPr>
-          <p:nvPr>
-            <p:ph type="title"/>
-          </p:nvPr>
-        </p:nvSpPr>
-        <p:spPr/>
-        <p:txBody>
-          <a:bodyPr/>
-          <a:lstStyle/>
-          <a:p>
-            <a:r>
-              <a:rPr lang="nl-NL" dirty="0"/>
-              <a:t>geleerd.</a:t>
-            </a:r>
-          </a:p>
-        </p:txBody>
-      </p:sp>
-      <p:sp>
-        <p:nvSpPr>
-          <p:cNvPr id="3" name="Tijdelijke aanduiding voor inhoud 2">
-            <a:extLst>
-              <a:ext uri="{FF2B5EF4-FFF2-40B4-BE49-F238E27FC236}">
-                <a16:creationId xmlns:a16="http://schemas.microsoft.com/office/drawing/2014/main" id="{8DE7784E-361A-DF35-1D13-9D2B9E8E0AE5}"/>
-              </a:ext>
-            </a:extLst>
-          </p:cNvPr>
-          <p:cNvSpPr>
-            <a:spLocks noGrp="1"/>
-          </p:cNvSpPr>
-          <p:nvPr>
-            <p:ph idx="1"/>
-          </p:nvPr>
-        </p:nvSpPr>
-        <p:spPr/>
-        <p:txBody>
-          <a:bodyPr/>
-          <a:lstStyle/>
-          <a:p>
-            <a:pPr marL="0" indent="0">
-              <a:buNone/>
-            </a:pPr>
-            <a:endParaRPr lang="nl-NL" b="1" dirty="0"/>
-          </a:p>
-        </p:txBody>
-      </p:sp>
-    </p:spTree>
-    <p:extLst>
-      <p:ext uri="{BB962C8B-B14F-4D97-AF65-F5344CB8AC3E}">
-        <p14:creationId xmlns:p14="http://schemas.microsoft.com/office/powerpoint/2010/main" val="2146816375"/>
       </p:ext>
     </p:extLst>
   </p:cSld>
